--- a/Module_2/Module_2_Introduction_To_Java_Programming _Language.pptx
+++ b/Module_2/Module_2_Introduction_To_Java_Programming _Language.pptx
@@ -6,21 +6,23 @@
   </p:sldMasterIdLst>
   <p:sldIdLst>
     <p:sldId id="259" r:id="rId2"/>
-    <p:sldId id="260" r:id="rId3"/>
-    <p:sldId id="261" r:id="rId4"/>
-    <p:sldId id="262" r:id="rId5"/>
-    <p:sldId id="273" r:id="rId6"/>
-    <p:sldId id="275" r:id="rId7"/>
-    <p:sldId id="276" r:id="rId8"/>
-    <p:sldId id="267" r:id="rId9"/>
-    <p:sldId id="268" r:id="rId10"/>
-    <p:sldId id="269" r:id="rId11"/>
-    <p:sldId id="270" r:id="rId12"/>
-    <p:sldId id="277" r:id="rId13"/>
-    <p:sldId id="278" r:id="rId14"/>
-    <p:sldId id="279" r:id="rId15"/>
-    <p:sldId id="272" r:id="rId16"/>
-    <p:sldId id="271" r:id="rId17"/>
+    <p:sldId id="276" r:id="rId3"/>
+    <p:sldId id="273" r:id="rId4"/>
+    <p:sldId id="275" r:id="rId5"/>
+    <p:sldId id="267" r:id="rId6"/>
+    <p:sldId id="268" r:id="rId7"/>
+    <p:sldId id="269" r:id="rId8"/>
+    <p:sldId id="270" r:id="rId9"/>
+    <p:sldId id="277" r:id="rId10"/>
+    <p:sldId id="278" r:id="rId11"/>
+    <p:sldId id="279" r:id="rId12"/>
+    <p:sldId id="272" r:id="rId13"/>
+    <p:sldId id="280" r:id="rId14"/>
+    <p:sldId id="281" r:id="rId15"/>
+    <p:sldId id="283" r:id="rId16"/>
+    <p:sldId id="284" r:id="rId17"/>
+    <p:sldId id="282" r:id="rId18"/>
+    <p:sldId id="271" r:id="rId19"/>
   </p:sldIdLst>
   <p:sldSz cx="9144000" cy="6858000" type="screen4x3"/>
   <p:notesSz cx="6858000" cy="9144000"/>
@@ -3174,93 +3176,173 @@
         </p:nvSpPr>
         <p:spPr/>
         <p:txBody>
-          <a:bodyPr>
-            <a:normAutofit fontScale="90000"/>
-          </a:bodyPr>
-          <a:lstStyle/>
-          <a:p>
-            <a:r>
-              <a:rPr lang="en-US" dirty="0" smtClean="0"/>
-              <a:t>To Identify </a:t>
-            </a:r>
-            <a:r>
-              <a:rPr lang="en-US" dirty="0" err="1" smtClean="0"/>
-              <a:t>Jdk</a:t>
-            </a:r>
-            <a:r>
-              <a:rPr lang="en-US" dirty="0" smtClean="0"/>
-              <a:t>, Java compiler version</a:t>
+          <a:bodyPr/>
+          <a:lstStyle/>
+          <a:p>
+            <a:r>
+              <a:rPr lang="en-US" dirty="0" smtClean="0"/>
+              <a:t>JDK,JRE,JVM</a:t>
             </a:r>
             <a:endParaRPr lang="en-US" dirty="0"/>
           </a:p>
         </p:txBody>
       </p:sp>
-      <p:pic>
-        <p:nvPicPr>
-          <p:cNvPr id="2050" name="Picture 2"/>
-          <p:cNvPicPr>
-            <a:picLocks noChangeAspect="1" noChangeArrowheads="1"/>
-          </p:cNvPicPr>
-          <p:nvPr/>
-        </p:nvPicPr>
-        <p:blipFill>
-          <a:blip r:embed="rId2"/>
-          <a:srcRect/>
-          <a:stretch>
-            <a:fillRect/>
-          </a:stretch>
-        </p:blipFill>
-        <p:spPr bwMode="auto">
+      <p:sp>
+        <p:nvSpPr>
+          <p:cNvPr id="3" name="Content Placeholder 2"/>
+          <p:cNvSpPr>
+            <a:spLocks noGrp="1"/>
+          </p:cNvSpPr>
+          <p:nvPr>
+            <p:ph idx="1"/>
+          </p:nvPr>
+        </p:nvSpPr>
+        <p:spPr>
           <a:xfrm>
-            <a:off x="1371600" y="1905000"/>
-            <a:ext cx="3543300" cy="257175"/>
+            <a:off x="457200" y="1600201"/>
+            <a:ext cx="7848600" cy="2514600"/>
           </a:xfrm>
-          <a:prstGeom prst="rect">
-            <a:avLst/>
-          </a:prstGeom>
-          <a:noFill/>
-          <a:ln w="9525">
-            <a:noFill/>
-            <a:miter lim="800000"/>
-            <a:headEnd/>
-            <a:tailEnd/>
-          </a:ln>
-          <a:effectLst/>
         </p:spPr>
-      </p:pic>
-      <p:pic>
-        <p:nvPicPr>
-          <p:cNvPr id="2051" name="Picture 3"/>
-          <p:cNvPicPr>
-            <a:picLocks noChangeAspect="1" noChangeArrowheads="1"/>
-          </p:cNvPicPr>
-          <p:nvPr/>
-        </p:nvPicPr>
-        <p:blipFill>
-          <a:blip r:embed="rId3"/>
-          <a:srcRect/>
-          <a:stretch>
-            <a:fillRect/>
-          </a:stretch>
-        </p:blipFill>
-        <p:spPr bwMode="auto">
-          <a:xfrm>
-            <a:off x="381000" y="3733800"/>
-            <a:ext cx="8401050" cy="2505075"/>
-          </a:xfrm>
-          <a:prstGeom prst="rect">
-            <a:avLst/>
-          </a:prstGeom>
-          <a:noFill/>
-          <a:ln w="9525">
-            <a:noFill/>
-            <a:miter lim="800000"/>
-            <a:headEnd/>
-            <a:tailEnd/>
-          </a:ln>
-          <a:effectLst/>
-        </p:spPr>
-      </p:pic>
+        <p:txBody>
+          <a:bodyPr/>
+          <a:lstStyle/>
+          <a:p>
+            <a:pPr fontAlgn="base"/>
+            <a:r>
+              <a:rPr lang="en-US" sz="1200" b="1" dirty="0" smtClean="0">
+                <a:latin typeface="Times New Roman" pitchFamily="18" charset="0"/>
+                <a:cs typeface="Times New Roman" pitchFamily="18" charset="0"/>
+              </a:rPr>
+              <a:t>JDK</a:t>
+            </a:r>
+            <a:r>
+              <a:rPr lang="en-US" sz="1200" dirty="0" smtClean="0">
+                <a:latin typeface="Times New Roman" pitchFamily="18" charset="0"/>
+                <a:cs typeface="Times New Roman" pitchFamily="18" charset="0"/>
+              </a:rPr>
+              <a:t> (Java Development Kit) is a Kit that provides the environment to </a:t>
+            </a:r>
+            <a:r>
+              <a:rPr lang="en-US" sz="1200" b="1" dirty="0" smtClean="0">
+                <a:latin typeface="Times New Roman" pitchFamily="18" charset="0"/>
+                <a:cs typeface="Times New Roman" pitchFamily="18" charset="0"/>
+              </a:rPr>
+              <a:t>develop and execute(run)</a:t>
+            </a:r>
+            <a:r>
+              <a:rPr lang="en-US" sz="1200" dirty="0" smtClean="0">
+                <a:latin typeface="Times New Roman" pitchFamily="18" charset="0"/>
+                <a:cs typeface="Times New Roman" pitchFamily="18" charset="0"/>
+              </a:rPr>
+              <a:t> the Java program. JDK is a kit(or package) that includes two things</a:t>
+            </a:r>
+          </a:p>
+          <a:p>
+            <a:pPr fontAlgn="base">
+              <a:buNone/>
+            </a:pPr>
+            <a:r>
+              <a:rPr lang="en-US" sz="1200" dirty="0" smtClean="0">
+                <a:latin typeface="Times New Roman" pitchFamily="18" charset="0"/>
+                <a:cs typeface="Times New Roman" pitchFamily="18" charset="0"/>
+              </a:rPr>
+              <a:t>                                Development Tools(to provide an environment to develop your java programs)</a:t>
+            </a:r>
+          </a:p>
+          <a:p>
+            <a:pPr fontAlgn="base">
+              <a:buNone/>
+            </a:pPr>
+            <a:r>
+              <a:rPr lang="en-US" sz="1200" dirty="0" smtClean="0">
+                <a:latin typeface="Times New Roman" pitchFamily="18" charset="0"/>
+                <a:cs typeface="Times New Roman" pitchFamily="18" charset="0"/>
+              </a:rPr>
+              <a:t>                                JRE (to execute your java program)</a:t>
+            </a:r>
+          </a:p>
+          <a:p>
+            <a:pPr fontAlgn="base">
+              <a:buNone/>
+            </a:pPr>
+            <a:r>
+              <a:rPr lang="en-US" sz="1200" b="1" dirty="0" smtClean="0"/>
+              <a:t>          JRE</a:t>
+            </a:r>
+            <a:r>
+              <a:rPr lang="en-US" sz="1200" dirty="0" smtClean="0"/>
+              <a:t> (Java Runtime Environment) is an installation package that provides an environment to </a:t>
+            </a:r>
+            <a:r>
+              <a:rPr lang="en-US" sz="1200" b="1" dirty="0" smtClean="0"/>
+              <a:t>only run(not develop)</a:t>
+            </a:r>
+            <a:r>
+              <a:rPr lang="en-US" sz="1200" dirty="0" smtClean="0"/>
+              <a:t> the java program(or application)onto your machine. JRE is only used by those who only want to run Java programs that are end-users of your system.</a:t>
+            </a:r>
+          </a:p>
+          <a:p>
+            <a:pPr fontAlgn="base">
+              <a:buNone/>
+            </a:pPr>
+            <a:r>
+              <a:rPr lang="en-US" sz="1200" dirty="0" smtClean="0">
+                <a:latin typeface="Times New Roman" pitchFamily="18" charset="0"/>
+                <a:cs typeface="Times New Roman" pitchFamily="18" charset="0"/>
+              </a:rPr>
+              <a:t>        </a:t>
+            </a:r>
+            <a:r>
+              <a:rPr lang="en-US" sz="1200" b="1" dirty="0" smtClean="0"/>
+              <a:t> </a:t>
+            </a:r>
+            <a:endParaRPr lang="en-US" sz="1200" b="1" u="sng" dirty="0" smtClean="0"/>
+          </a:p>
+          <a:p>
+            <a:pPr fontAlgn="base">
+              <a:buNone/>
+            </a:pPr>
+            <a:r>
+              <a:rPr lang="en-US" sz="1200" dirty="0" smtClean="0"/>
+              <a:t>          JVM Java virtual memory is a very important part of both JDK and JRE because it is contained or inbuilt in both. Whatever Java program you run using JRE or JDK goes into JVM and JVM is responsible for executing the java program line by line, hence it is also known as an </a:t>
+            </a:r>
+            <a:r>
+              <a:rPr lang="en-US" sz="1200" b="1" u="sng" dirty="0" smtClean="0"/>
+              <a:t>interpreter</a:t>
+            </a:r>
+            <a:endParaRPr lang="en-US" sz="1200" b="1" dirty="0" smtClean="0"/>
+          </a:p>
+          <a:p>
+            <a:pPr fontAlgn="base">
+              <a:buNone/>
+            </a:pPr>
+            <a:r>
+              <a:rPr lang="en-US" sz="1200" b="1" dirty="0" smtClean="0"/>
+              <a:t>          JIT</a:t>
+            </a:r>
+            <a:r>
+              <a:rPr lang="en-US" sz="1200" dirty="0" smtClean="0"/>
+              <a:t> in Java is an integral part of the </a:t>
+            </a:r>
+            <a:r>
+              <a:rPr lang="en-US" sz="1200" b="1" dirty="0" smtClean="0"/>
+              <a:t>JVM</a:t>
+            </a:r>
+            <a:r>
+              <a:rPr lang="en-US" sz="1200" dirty="0" smtClean="0"/>
+              <a:t>. It accelerates execution performance many times over the previous level</a:t>
+            </a:r>
+            <a:endParaRPr lang="en-US" sz="1200" dirty="0" smtClean="0">
+              <a:latin typeface="Times New Roman" pitchFamily="18" charset="0"/>
+              <a:cs typeface="Times New Roman" pitchFamily="18" charset="0"/>
+            </a:endParaRPr>
+          </a:p>
+          <a:p>
+            <a:endParaRPr lang="en-US" dirty="0"/>
+          </a:p>
+        </p:txBody>
+      </p:sp>
     </p:spTree>
   </p:cSld>
   <p:clrMapOvr>
@@ -3270,846 +3352,6 @@
 </file>
 
 <file path=ppt/slides/slide11.xml><?xml version="1.0" encoding="utf-8"?>
-<p:sld xmlns:a="http://schemas.openxmlformats.org/drawingml/2006/main" xmlns:r="http://schemas.openxmlformats.org/officeDocument/2006/relationships" xmlns:p="http://schemas.openxmlformats.org/presentationml/2006/main">
-  <p:cSld>
-    <p:spTree>
-      <p:nvGrpSpPr>
-        <p:cNvPr id="1" name=""/>
-        <p:cNvGrpSpPr/>
-        <p:nvPr/>
-      </p:nvGrpSpPr>
-      <p:grpSpPr>
-        <a:xfrm>
-          <a:off x="0" y="0"/>
-          <a:ext cx="0" cy="0"/>
-          <a:chOff x="0" y="0"/>
-          <a:chExt cx="0" cy="0"/>
-        </a:xfrm>
-      </p:grpSpPr>
-      <p:sp>
-        <p:nvSpPr>
-          <p:cNvPr id="2" name="Title 1"/>
-          <p:cNvSpPr>
-            <a:spLocks noGrp="1"/>
-          </p:cNvSpPr>
-          <p:nvPr>
-            <p:ph type="title"/>
-          </p:nvPr>
-        </p:nvSpPr>
-        <p:spPr/>
-        <p:txBody>
-          <a:bodyPr>
-            <a:normAutofit fontScale="90000"/>
-          </a:bodyPr>
-          <a:lstStyle/>
-          <a:p>
-            <a:r>
-              <a:rPr lang="en-US" dirty="0" smtClean="0"/>
-              <a:t>Compile the program from Terminal/Command Prompt</a:t>
-            </a:r>
-            <a:endParaRPr lang="en-US" dirty="0"/>
-          </a:p>
-        </p:txBody>
-      </p:sp>
-      <p:pic>
-        <p:nvPicPr>
-          <p:cNvPr id="3074" name="Picture 2"/>
-          <p:cNvPicPr>
-            <a:picLocks noGrp="1" noChangeAspect="1" noChangeArrowheads="1"/>
-          </p:cNvPicPr>
-          <p:nvPr>
-            <p:ph idx="1"/>
-          </p:nvPr>
-        </p:nvPicPr>
-        <p:blipFill>
-          <a:blip r:embed="rId2"/>
-          <a:srcRect/>
-          <a:stretch>
-            <a:fillRect/>
-          </a:stretch>
-        </p:blipFill>
-        <p:spPr bwMode="auto">
-          <a:xfrm>
-            <a:off x="3438525" y="2901156"/>
-            <a:ext cx="2266950" cy="1924050"/>
-          </a:xfrm>
-          <a:prstGeom prst="rect">
-            <a:avLst/>
-          </a:prstGeom>
-          <a:noFill/>
-          <a:ln w="9525">
-            <a:noFill/>
-            <a:miter lim="800000"/>
-            <a:headEnd/>
-            <a:tailEnd/>
-          </a:ln>
-          <a:effectLst/>
-        </p:spPr>
-      </p:pic>
-    </p:spTree>
-  </p:cSld>
-  <p:clrMapOvr>
-    <a:masterClrMapping/>
-  </p:clrMapOvr>
-</p:sld>
-</file>
-
-<file path=ppt/slides/slide12.xml><?xml version="1.0" encoding="utf-8"?>
-<p:sld xmlns:a="http://schemas.openxmlformats.org/drawingml/2006/main" xmlns:r="http://schemas.openxmlformats.org/officeDocument/2006/relationships" xmlns:p="http://schemas.openxmlformats.org/presentationml/2006/main">
-  <p:cSld>
-    <p:spTree>
-      <p:nvGrpSpPr>
-        <p:cNvPr id="1" name=""/>
-        <p:cNvGrpSpPr/>
-        <p:nvPr/>
-      </p:nvGrpSpPr>
-      <p:grpSpPr>
-        <a:xfrm>
-          <a:off x="0" y="0"/>
-          <a:ext cx="0" cy="0"/>
-          <a:chOff x="0" y="0"/>
-          <a:chExt cx="0" cy="0"/>
-        </a:xfrm>
-      </p:grpSpPr>
-      <p:sp>
-        <p:nvSpPr>
-          <p:cNvPr id="2" name="Title 1"/>
-          <p:cNvSpPr>
-            <a:spLocks noGrp="1"/>
-          </p:cNvSpPr>
-          <p:nvPr>
-            <p:ph type="title"/>
-          </p:nvPr>
-        </p:nvSpPr>
-        <p:spPr/>
-        <p:txBody>
-          <a:bodyPr/>
-          <a:lstStyle/>
-          <a:p>
-            <a:r>
-              <a:rPr lang="en-US" dirty="0" smtClean="0"/>
-              <a:t>Diff ways to Initiate</a:t>
-            </a:r>
-            <a:endParaRPr lang="en-US" dirty="0"/>
-          </a:p>
-        </p:txBody>
-      </p:sp>
-      <p:sp>
-        <p:nvSpPr>
-          <p:cNvPr id="3" name="Content Placeholder 2"/>
-          <p:cNvSpPr>
-            <a:spLocks noGrp="1"/>
-          </p:cNvSpPr>
-          <p:nvPr>
-            <p:ph idx="1"/>
-          </p:nvPr>
-        </p:nvSpPr>
-        <p:spPr/>
-        <p:txBody>
-          <a:bodyPr>
-            <a:normAutofit/>
-          </a:bodyPr>
-          <a:lstStyle/>
-          <a:p>
-            <a:pPr>
-              <a:buNone/>
-            </a:pPr>
-            <a:endParaRPr lang="en-US" sz="1400" b="1" dirty="0" smtClean="0">
-              <a:latin typeface="Times New Roman" pitchFamily="18" charset="0"/>
-              <a:cs typeface="Times New Roman" pitchFamily="18" charset="0"/>
-            </a:endParaRPr>
-          </a:p>
-          <a:p>
-            <a:pPr>
-              <a:buNone/>
-            </a:pPr>
-            <a:endParaRPr lang="en-US" sz="1400" b="1" dirty="0" smtClean="0">
-              <a:latin typeface="Times New Roman" pitchFamily="18" charset="0"/>
-              <a:cs typeface="Times New Roman" pitchFamily="18" charset="0"/>
-            </a:endParaRPr>
-          </a:p>
-          <a:p>
-            <a:pPr>
-              <a:buNone/>
-            </a:pPr>
-            <a:r>
-              <a:rPr lang="en-US" sz="1400" b="1" dirty="0" smtClean="0">
-                <a:latin typeface="Times New Roman" pitchFamily="18" charset="0"/>
-                <a:cs typeface="Times New Roman" pitchFamily="18" charset="0"/>
-              </a:rPr>
-              <a:t>public</a:t>
-            </a:r>
-            <a:r>
-              <a:rPr lang="en-US" sz="1400" dirty="0" smtClean="0">
-                <a:latin typeface="Times New Roman" pitchFamily="18" charset="0"/>
-                <a:cs typeface="Times New Roman" pitchFamily="18" charset="0"/>
-              </a:rPr>
-              <a:t> </a:t>
-            </a:r>
-            <a:r>
-              <a:rPr lang="en-US" sz="1400" b="1" dirty="0" smtClean="0">
-                <a:latin typeface="Times New Roman" pitchFamily="18" charset="0"/>
-                <a:cs typeface="Times New Roman" pitchFamily="18" charset="0"/>
-              </a:rPr>
-              <a:t>static</a:t>
-            </a:r>
-            <a:r>
-              <a:rPr lang="en-US" sz="1400" dirty="0" smtClean="0">
-                <a:latin typeface="Times New Roman" pitchFamily="18" charset="0"/>
-                <a:cs typeface="Times New Roman" pitchFamily="18" charset="0"/>
-              </a:rPr>
-              <a:t> </a:t>
-            </a:r>
-            <a:r>
-              <a:rPr lang="en-US" sz="1400" b="1" dirty="0" smtClean="0">
-                <a:latin typeface="Times New Roman" pitchFamily="18" charset="0"/>
-                <a:cs typeface="Times New Roman" pitchFamily="18" charset="0"/>
-              </a:rPr>
-              <a:t>void</a:t>
-            </a:r>
-            <a:r>
-              <a:rPr lang="en-US" sz="1400" dirty="0" smtClean="0">
-                <a:latin typeface="Times New Roman" pitchFamily="18" charset="0"/>
-                <a:cs typeface="Times New Roman" pitchFamily="18" charset="0"/>
-              </a:rPr>
-              <a:t> main(String[] </a:t>
-            </a:r>
-            <a:r>
-              <a:rPr lang="en-US" sz="1400" dirty="0" err="1" smtClean="0">
-                <a:latin typeface="Times New Roman" pitchFamily="18" charset="0"/>
-                <a:cs typeface="Times New Roman" pitchFamily="18" charset="0"/>
-              </a:rPr>
-              <a:t>args</a:t>
-            </a:r>
-            <a:r>
-              <a:rPr lang="en-US" sz="1400" dirty="0" smtClean="0">
-                <a:latin typeface="Times New Roman" pitchFamily="18" charset="0"/>
-                <a:cs typeface="Times New Roman" pitchFamily="18" charset="0"/>
-              </a:rPr>
-              <a:t>)  </a:t>
-            </a:r>
-          </a:p>
-          <a:p>
-            <a:pPr>
-              <a:buNone/>
-            </a:pPr>
-            <a:r>
-              <a:rPr lang="en-US" sz="1400" b="1" dirty="0" smtClean="0">
-                <a:latin typeface="Times New Roman" pitchFamily="18" charset="0"/>
-                <a:cs typeface="Times New Roman" pitchFamily="18" charset="0"/>
-              </a:rPr>
-              <a:t>public</a:t>
-            </a:r>
-            <a:r>
-              <a:rPr lang="en-US" sz="1400" dirty="0" smtClean="0">
-                <a:latin typeface="Times New Roman" pitchFamily="18" charset="0"/>
-                <a:cs typeface="Times New Roman" pitchFamily="18" charset="0"/>
-              </a:rPr>
-              <a:t> </a:t>
-            </a:r>
-            <a:r>
-              <a:rPr lang="en-US" sz="1400" b="1" dirty="0" smtClean="0">
-                <a:latin typeface="Times New Roman" pitchFamily="18" charset="0"/>
-                <a:cs typeface="Times New Roman" pitchFamily="18" charset="0"/>
-              </a:rPr>
-              <a:t>static</a:t>
-            </a:r>
-            <a:r>
-              <a:rPr lang="en-US" sz="1400" dirty="0" smtClean="0">
-                <a:latin typeface="Times New Roman" pitchFamily="18" charset="0"/>
-                <a:cs typeface="Times New Roman" pitchFamily="18" charset="0"/>
-              </a:rPr>
-              <a:t> </a:t>
-            </a:r>
-            <a:r>
-              <a:rPr lang="en-US" sz="1400" b="1" dirty="0" smtClean="0">
-                <a:latin typeface="Times New Roman" pitchFamily="18" charset="0"/>
-                <a:cs typeface="Times New Roman" pitchFamily="18" charset="0"/>
-              </a:rPr>
-              <a:t>void</a:t>
-            </a:r>
-            <a:r>
-              <a:rPr lang="en-US" sz="1400" dirty="0" smtClean="0">
-                <a:latin typeface="Times New Roman" pitchFamily="18" charset="0"/>
-                <a:cs typeface="Times New Roman" pitchFamily="18" charset="0"/>
-              </a:rPr>
-              <a:t> main(String []</a:t>
-            </a:r>
-            <a:r>
-              <a:rPr lang="en-US" sz="1400" dirty="0" err="1" smtClean="0">
-                <a:latin typeface="Times New Roman" pitchFamily="18" charset="0"/>
-                <a:cs typeface="Times New Roman" pitchFamily="18" charset="0"/>
-              </a:rPr>
-              <a:t>args</a:t>
-            </a:r>
-            <a:r>
-              <a:rPr lang="en-US" sz="1400" dirty="0" smtClean="0">
-                <a:latin typeface="Times New Roman" pitchFamily="18" charset="0"/>
-                <a:cs typeface="Times New Roman" pitchFamily="18" charset="0"/>
-              </a:rPr>
-              <a:t>)  </a:t>
-            </a:r>
-          </a:p>
-          <a:p>
-            <a:pPr>
-              <a:buNone/>
-            </a:pPr>
-            <a:r>
-              <a:rPr lang="en-US" sz="1400" b="1" dirty="0" smtClean="0">
-                <a:latin typeface="Times New Roman" pitchFamily="18" charset="0"/>
-                <a:cs typeface="Times New Roman" pitchFamily="18" charset="0"/>
-              </a:rPr>
-              <a:t>public</a:t>
-            </a:r>
-            <a:r>
-              <a:rPr lang="en-US" sz="1400" dirty="0" smtClean="0">
-                <a:latin typeface="Times New Roman" pitchFamily="18" charset="0"/>
-                <a:cs typeface="Times New Roman" pitchFamily="18" charset="0"/>
-              </a:rPr>
-              <a:t> </a:t>
-            </a:r>
-            <a:r>
-              <a:rPr lang="en-US" sz="1400" b="1" dirty="0" smtClean="0">
-                <a:latin typeface="Times New Roman" pitchFamily="18" charset="0"/>
-                <a:cs typeface="Times New Roman" pitchFamily="18" charset="0"/>
-              </a:rPr>
-              <a:t>static</a:t>
-            </a:r>
-            <a:r>
-              <a:rPr lang="en-US" sz="1400" dirty="0" smtClean="0">
-                <a:latin typeface="Times New Roman" pitchFamily="18" charset="0"/>
-                <a:cs typeface="Times New Roman" pitchFamily="18" charset="0"/>
-              </a:rPr>
-              <a:t> </a:t>
-            </a:r>
-            <a:r>
-              <a:rPr lang="en-US" sz="1400" b="1" dirty="0" smtClean="0">
-                <a:latin typeface="Times New Roman" pitchFamily="18" charset="0"/>
-                <a:cs typeface="Times New Roman" pitchFamily="18" charset="0"/>
-              </a:rPr>
-              <a:t>void</a:t>
-            </a:r>
-            <a:r>
-              <a:rPr lang="en-US" sz="1400" dirty="0" smtClean="0">
-                <a:latin typeface="Times New Roman" pitchFamily="18" charset="0"/>
-                <a:cs typeface="Times New Roman" pitchFamily="18" charset="0"/>
-              </a:rPr>
-              <a:t> main(String </a:t>
-            </a:r>
-            <a:r>
-              <a:rPr lang="en-US" sz="1400" dirty="0" err="1" smtClean="0">
-                <a:latin typeface="Times New Roman" pitchFamily="18" charset="0"/>
-                <a:cs typeface="Times New Roman" pitchFamily="18" charset="0"/>
-              </a:rPr>
-              <a:t>args</a:t>
-            </a:r>
-            <a:r>
-              <a:rPr lang="en-US" sz="1400" dirty="0" smtClean="0">
-                <a:latin typeface="Times New Roman" pitchFamily="18" charset="0"/>
-                <a:cs typeface="Times New Roman" pitchFamily="18" charset="0"/>
-              </a:rPr>
-              <a:t>[])  </a:t>
-            </a:r>
-          </a:p>
-          <a:p>
-            <a:pPr>
-              <a:buNone/>
-            </a:pPr>
-            <a:r>
-              <a:rPr lang="en-US" sz="1400" b="1" dirty="0" smtClean="0">
-                <a:latin typeface="Times New Roman" pitchFamily="18" charset="0"/>
-                <a:cs typeface="Times New Roman" pitchFamily="18" charset="0"/>
-              </a:rPr>
-              <a:t>public</a:t>
-            </a:r>
-            <a:r>
-              <a:rPr lang="en-US" sz="1400" dirty="0" smtClean="0">
-                <a:latin typeface="Times New Roman" pitchFamily="18" charset="0"/>
-                <a:cs typeface="Times New Roman" pitchFamily="18" charset="0"/>
-              </a:rPr>
-              <a:t> </a:t>
-            </a:r>
-            <a:r>
-              <a:rPr lang="en-US" sz="1400" b="1" dirty="0" smtClean="0">
-                <a:latin typeface="Times New Roman" pitchFamily="18" charset="0"/>
-                <a:cs typeface="Times New Roman" pitchFamily="18" charset="0"/>
-              </a:rPr>
-              <a:t>static</a:t>
-            </a:r>
-            <a:r>
-              <a:rPr lang="en-US" sz="1400" dirty="0" smtClean="0">
-                <a:latin typeface="Times New Roman" pitchFamily="18" charset="0"/>
-                <a:cs typeface="Times New Roman" pitchFamily="18" charset="0"/>
-              </a:rPr>
-              <a:t> </a:t>
-            </a:r>
-            <a:r>
-              <a:rPr lang="en-US" sz="1400" b="1" dirty="0" smtClean="0">
-                <a:latin typeface="Times New Roman" pitchFamily="18" charset="0"/>
-                <a:cs typeface="Times New Roman" pitchFamily="18" charset="0"/>
-              </a:rPr>
-              <a:t>void</a:t>
-            </a:r>
-            <a:r>
-              <a:rPr lang="en-US" sz="1400" dirty="0" smtClean="0">
-                <a:latin typeface="Times New Roman" pitchFamily="18" charset="0"/>
-                <a:cs typeface="Times New Roman" pitchFamily="18" charset="0"/>
-              </a:rPr>
-              <a:t> main(String... </a:t>
-            </a:r>
-            <a:r>
-              <a:rPr lang="en-US" sz="1400" dirty="0" err="1" smtClean="0">
-                <a:latin typeface="Times New Roman" pitchFamily="18" charset="0"/>
-                <a:cs typeface="Times New Roman" pitchFamily="18" charset="0"/>
-              </a:rPr>
-              <a:t>args</a:t>
-            </a:r>
-            <a:r>
-              <a:rPr lang="en-US" sz="1400" dirty="0" smtClean="0">
-                <a:latin typeface="Times New Roman" pitchFamily="18" charset="0"/>
-                <a:cs typeface="Times New Roman" pitchFamily="18" charset="0"/>
-              </a:rPr>
-              <a:t>)  </a:t>
-            </a:r>
-          </a:p>
-          <a:p>
-            <a:pPr>
-              <a:buNone/>
-            </a:pPr>
-            <a:r>
-              <a:rPr lang="en-US" sz="1400" b="1" dirty="0" smtClean="0">
-                <a:latin typeface="Times New Roman" pitchFamily="18" charset="0"/>
-                <a:cs typeface="Times New Roman" pitchFamily="18" charset="0"/>
-              </a:rPr>
-              <a:t>static</a:t>
-            </a:r>
-            <a:r>
-              <a:rPr lang="en-US" sz="1400" dirty="0" smtClean="0">
-                <a:latin typeface="Times New Roman" pitchFamily="18" charset="0"/>
-                <a:cs typeface="Times New Roman" pitchFamily="18" charset="0"/>
-              </a:rPr>
-              <a:t> </a:t>
-            </a:r>
-            <a:r>
-              <a:rPr lang="en-US" sz="1400" b="1" dirty="0" smtClean="0">
-                <a:latin typeface="Times New Roman" pitchFamily="18" charset="0"/>
-                <a:cs typeface="Times New Roman" pitchFamily="18" charset="0"/>
-              </a:rPr>
-              <a:t>public</a:t>
-            </a:r>
-            <a:r>
-              <a:rPr lang="en-US" sz="1400" dirty="0" smtClean="0">
-                <a:latin typeface="Times New Roman" pitchFamily="18" charset="0"/>
-                <a:cs typeface="Times New Roman" pitchFamily="18" charset="0"/>
-              </a:rPr>
-              <a:t> </a:t>
-            </a:r>
-            <a:r>
-              <a:rPr lang="en-US" sz="1400" b="1" dirty="0" smtClean="0">
-                <a:latin typeface="Times New Roman" pitchFamily="18" charset="0"/>
-                <a:cs typeface="Times New Roman" pitchFamily="18" charset="0"/>
-              </a:rPr>
-              <a:t>void</a:t>
-            </a:r>
-            <a:r>
-              <a:rPr lang="en-US" sz="1400" dirty="0" smtClean="0">
-                <a:latin typeface="Times New Roman" pitchFamily="18" charset="0"/>
-                <a:cs typeface="Times New Roman" pitchFamily="18" charset="0"/>
-              </a:rPr>
-              <a:t> main(String[] </a:t>
-            </a:r>
-            <a:r>
-              <a:rPr lang="en-US" sz="1400" dirty="0" err="1" smtClean="0">
-                <a:latin typeface="Times New Roman" pitchFamily="18" charset="0"/>
-                <a:cs typeface="Times New Roman" pitchFamily="18" charset="0"/>
-              </a:rPr>
-              <a:t>args</a:t>
-            </a:r>
-            <a:r>
-              <a:rPr lang="en-US" sz="1400" dirty="0" smtClean="0">
-                <a:latin typeface="Times New Roman" pitchFamily="18" charset="0"/>
-                <a:cs typeface="Times New Roman" pitchFamily="18" charset="0"/>
-              </a:rPr>
-              <a:t>)  </a:t>
-            </a:r>
-          </a:p>
-          <a:p>
-            <a:pPr>
-              <a:buNone/>
-            </a:pPr>
-            <a:r>
-              <a:rPr lang="en-US" sz="1400" b="1" dirty="0" smtClean="0">
-                <a:latin typeface="Times New Roman" pitchFamily="18" charset="0"/>
-                <a:cs typeface="Times New Roman" pitchFamily="18" charset="0"/>
-              </a:rPr>
-              <a:t>public</a:t>
-            </a:r>
-            <a:r>
-              <a:rPr lang="en-US" sz="1400" dirty="0" smtClean="0">
-                <a:latin typeface="Times New Roman" pitchFamily="18" charset="0"/>
-                <a:cs typeface="Times New Roman" pitchFamily="18" charset="0"/>
-              </a:rPr>
-              <a:t> </a:t>
-            </a:r>
-            <a:r>
-              <a:rPr lang="en-US" sz="1400" b="1" dirty="0" smtClean="0">
-                <a:latin typeface="Times New Roman" pitchFamily="18" charset="0"/>
-                <a:cs typeface="Times New Roman" pitchFamily="18" charset="0"/>
-              </a:rPr>
-              <a:t>static</a:t>
-            </a:r>
-            <a:r>
-              <a:rPr lang="en-US" sz="1400" dirty="0" smtClean="0">
-                <a:latin typeface="Times New Roman" pitchFamily="18" charset="0"/>
-                <a:cs typeface="Times New Roman" pitchFamily="18" charset="0"/>
-              </a:rPr>
-              <a:t> </a:t>
-            </a:r>
-            <a:r>
-              <a:rPr lang="en-US" sz="1400" b="1" dirty="0" smtClean="0">
-                <a:latin typeface="Times New Roman" pitchFamily="18" charset="0"/>
-                <a:cs typeface="Times New Roman" pitchFamily="18" charset="0"/>
-              </a:rPr>
-              <a:t>final</a:t>
-            </a:r>
-            <a:r>
-              <a:rPr lang="en-US" sz="1400" dirty="0" smtClean="0">
-                <a:latin typeface="Times New Roman" pitchFamily="18" charset="0"/>
-                <a:cs typeface="Times New Roman" pitchFamily="18" charset="0"/>
-              </a:rPr>
-              <a:t> </a:t>
-            </a:r>
-            <a:r>
-              <a:rPr lang="en-US" sz="1400" b="1" dirty="0" smtClean="0">
-                <a:latin typeface="Times New Roman" pitchFamily="18" charset="0"/>
-                <a:cs typeface="Times New Roman" pitchFamily="18" charset="0"/>
-              </a:rPr>
-              <a:t>void</a:t>
-            </a:r>
-            <a:r>
-              <a:rPr lang="en-US" sz="1400" dirty="0" smtClean="0">
-                <a:latin typeface="Times New Roman" pitchFamily="18" charset="0"/>
-                <a:cs typeface="Times New Roman" pitchFamily="18" charset="0"/>
-              </a:rPr>
-              <a:t> main(String[] </a:t>
-            </a:r>
-            <a:r>
-              <a:rPr lang="en-US" sz="1400" dirty="0" err="1" smtClean="0">
-                <a:latin typeface="Times New Roman" pitchFamily="18" charset="0"/>
-                <a:cs typeface="Times New Roman" pitchFamily="18" charset="0"/>
-              </a:rPr>
-              <a:t>args</a:t>
-            </a:r>
-            <a:r>
-              <a:rPr lang="en-US" sz="1400" dirty="0" smtClean="0">
-                <a:latin typeface="Times New Roman" pitchFamily="18" charset="0"/>
-                <a:cs typeface="Times New Roman" pitchFamily="18" charset="0"/>
-              </a:rPr>
-              <a:t>)  </a:t>
-            </a:r>
-          </a:p>
-          <a:p>
-            <a:pPr>
-              <a:buNone/>
-            </a:pPr>
-            <a:r>
-              <a:rPr lang="en-US" sz="1400" b="1" dirty="0" smtClean="0">
-                <a:latin typeface="Times New Roman" pitchFamily="18" charset="0"/>
-                <a:cs typeface="Times New Roman" pitchFamily="18" charset="0"/>
-              </a:rPr>
-              <a:t>final</a:t>
-            </a:r>
-            <a:r>
-              <a:rPr lang="en-US" sz="1400" dirty="0" smtClean="0">
-                <a:latin typeface="Times New Roman" pitchFamily="18" charset="0"/>
-                <a:cs typeface="Times New Roman" pitchFamily="18" charset="0"/>
-              </a:rPr>
-              <a:t> </a:t>
-            </a:r>
-            <a:r>
-              <a:rPr lang="en-US" sz="1400" b="1" dirty="0" smtClean="0">
-                <a:latin typeface="Times New Roman" pitchFamily="18" charset="0"/>
-                <a:cs typeface="Times New Roman" pitchFamily="18" charset="0"/>
-              </a:rPr>
-              <a:t>public</a:t>
-            </a:r>
-            <a:r>
-              <a:rPr lang="en-US" sz="1400" dirty="0" smtClean="0">
-                <a:latin typeface="Times New Roman" pitchFamily="18" charset="0"/>
-                <a:cs typeface="Times New Roman" pitchFamily="18" charset="0"/>
-              </a:rPr>
-              <a:t> </a:t>
-            </a:r>
-            <a:r>
-              <a:rPr lang="en-US" sz="1400" b="1" dirty="0" smtClean="0">
-                <a:latin typeface="Times New Roman" pitchFamily="18" charset="0"/>
-                <a:cs typeface="Times New Roman" pitchFamily="18" charset="0"/>
-              </a:rPr>
-              <a:t>static</a:t>
-            </a:r>
-            <a:r>
-              <a:rPr lang="en-US" sz="1400" dirty="0" smtClean="0">
-                <a:latin typeface="Times New Roman" pitchFamily="18" charset="0"/>
-                <a:cs typeface="Times New Roman" pitchFamily="18" charset="0"/>
-              </a:rPr>
-              <a:t> </a:t>
-            </a:r>
-            <a:r>
-              <a:rPr lang="en-US" sz="1400" b="1" dirty="0" smtClean="0">
-                <a:latin typeface="Times New Roman" pitchFamily="18" charset="0"/>
-                <a:cs typeface="Times New Roman" pitchFamily="18" charset="0"/>
-              </a:rPr>
-              <a:t>void</a:t>
-            </a:r>
-            <a:r>
-              <a:rPr lang="en-US" sz="1400" dirty="0" smtClean="0">
-                <a:latin typeface="Times New Roman" pitchFamily="18" charset="0"/>
-                <a:cs typeface="Times New Roman" pitchFamily="18" charset="0"/>
-              </a:rPr>
-              <a:t> main(String[] </a:t>
-            </a:r>
-            <a:r>
-              <a:rPr lang="en-US" sz="1400" dirty="0" err="1" smtClean="0">
-                <a:latin typeface="Times New Roman" pitchFamily="18" charset="0"/>
-                <a:cs typeface="Times New Roman" pitchFamily="18" charset="0"/>
-              </a:rPr>
-              <a:t>args</a:t>
-            </a:r>
-            <a:r>
-              <a:rPr lang="en-US" sz="1400" dirty="0" smtClean="0">
-                <a:latin typeface="Times New Roman" pitchFamily="18" charset="0"/>
-                <a:cs typeface="Times New Roman" pitchFamily="18" charset="0"/>
-              </a:rPr>
-              <a:t>)  </a:t>
-            </a:r>
-          </a:p>
-          <a:p>
-            <a:pPr>
-              <a:buNone/>
-            </a:pPr>
-            <a:r>
-              <a:rPr lang="en-US" dirty="0" smtClean="0"/>
-              <a:t> </a:t>
-            </a:r>
-          </a:p>
-          <a:p>
-            <a:endParaRPr lang="en-US" dirty="0"/>
-          </a:p>
-        </p:txBody>
-      </p:sp>
-    </p:spTree>
-  </p:cSld>
-  <p:clrMapOvr>
-    <a:masterClrMapping/>
-  </p:clrMapOvr>
-</p:sld>
-</file>
-
-<file path=ppt/slides/slide13.xml><?xml version="1.0" encoding="utf-8"?>
-<p:sld xmlns:a="http://schemas.openxmlformats.org/drawingml/2006/main" xmlns:r="http://schemas.openxmlformats.org/officeDocument/2006/relationships" xmlns:p="http://schemas.openxmlformats.org/presentationml/2006/main">
-  <p:cSld>
-    <p:spTree>
-      <p:nvGrpSpPr>
-        <p:cNvPr id="1" name=""/>
-        <p:cNvGrpSpPr/>
-        <p:nvPr/>
-      </p:nvGrpSpPr>
-      <p:grpSpPr>
-        <a:xfrm>
-          <a:off x="0" y="0"/>
-          <a:ext cx="0" cy="0"/>
-          <a:chOff x="0" y="0"/>
-          <a:chExt cx="0" cy="0"/>
-        </a:xfrm>
-      </p:grpSpPr>
-      <p:sp>
-        <p:nvSpPr>
-          <p:cNvPr id="2" name="Title 1"/>
-          <p:cNvSpPr>
-            <a:spLocks noGrp="1"/>
-          </p:cNvSpPr>
-          <p:nvPr>
-            <p:ph type="title"/>
-          </p:nvPr>
-        </p:nvSpPr>
-        <p:spPr/>
-        <p:txBody>
-          <a:bodyPr/>
-          <a:lstStyle/>
-          <a:p>
-            <a:r>
-              <a:rPr lang="en-US" dirty="0" smtClean="0"/>
-              <a:t>JDK,JRE,JVM</a:t>
-            </a:r>
-            <a:endParaRPr lang="en-US" dirty="0"/>
-          </a:p>
-        </p:txBody>
-      </p:sp>
-      <p:sp>
-        <p:nvSpPr>
-          <p:cNvPr id="3" name="Content Placeholder 2"/>
-          <p:cNvSpPr>
-            <a:spLocks noGrp="1"/>
-          </p:cNvSpPr>
-          <p:nvPr>
-            <p:ph idx="1"/>
-          </p:nvPr>
-        </p:nvSpPr>
-        <p:spPr>
-          <a:xfrm>
-            <a:off x="457200" y="1600201"/>
-            <a:ext cx="7848600" cy="2514600"/>
-          </a:xfrm>
-        </p:spPr>
-        <p:txBody>
-          <a:bodyPr/>
-          <a:lstStyle/>
-          <a:p>
-            <a:pPr fontAlgn="base"/>
-            <a:r>
-              <a:rPr lang="en-US" sz="1200" b="1" dirty="0" smtClean="0">
-                <a:latin typeface="Times New Roman" pitchFamily="18" charset="0"/>
-                <a:cs typeface="Times New Roman" pitchFamily="18" charset="0"/>
-              </a:rPr>
-              <a:t>JDK</a:t>
-            </a:r>
-            <a:r>
-              <a:rPr lang="en-US" sz="1200" dirty="0" smtClean="0">
-                <a:latin typeface="Times New Roman" pitchFamily="18" charset="0"/>
-                <a:cs typeface="Times New Roman" pitchFamily="18" charset="0"/>
-              </a:rPr>
-              <a:t> (Java Development Kit) is a Kit that provides the environment to </a:t>
-            </a:r>
-            <a:r>
-              <a:rPr lang="en-US" sz="1200" b="1" dirty="0" smtClean="0">
-                <a:latin typeface="Times New Roman" pitchFamily="18" charset="0"/>
-                <a:cs typeface="Times New Roman" pitchFamily="18" charset="0"/>
-              </a:rPr>
-              <a:t>develop and execute(run)</a:t>
-            </a:r>
-            <a:r>
-              <a:rPr lang="en-US" sz="1200" dirty="0" smtClean="0">
-                <a:latin typeface="Times New Roman" pitchFamily="18" charset="0"/>
-                <a:cs typeface="Times New Roman" pitchFamily="18" charset="0"/>
-              </a:rPr>
-              <a:t> the Java program. JDK is a kit(or package) that includes two things</a:t>
-            </a:r>
-          </a:p>
-          <a:p>
-            <a:pPr fontAlgn="base">
-              <a:buNone/>
-            </a:pPr>
-            <a:r>
-              <a:rPr lang="en-US" sz="1200" dirty="0" smtClean="0">
-                <a:latin typeface="Times New Roman" pitchFamily="18" charset="0"/>
-                <a:cs typeface="Times New Roman" pitchFamily="18" charset="0"/>
-              </a:rPr>
-              <a:t>                                Development Tools(to provide an environment to develop your java programs)</a:t>
-            </a:r>
-          </a:p>
-          <a:p>
-            <a:pPr fontAlgn="base">
-              <a:buNone/>
-            </a:pPr>
-            <a:r>
-              <a:rPr lang="en-US" sz="1200" dirty="0" smtClean="0">
-                <a:latin typeface="Times New Roman" pitchFamily="18" charset="0"/>
-                <a:cs typeface="Times New Roman" pitchFamily="18" charset="0"/>
-              </a:rPr>
-              <a:t>                                JRE (to execute your java program)</a:t>
-            </a:r>
-          </a:p>
-          <a:p>
-            <a:pPr fontAlgn="base">
-              <a:buNone/>
-            </a:pPr>
-            <a:r>
-              <a:rPr lang="en-US" sz="1200" b="1" dirty="0" smtClean="0"/>
-              <a:t>          JRE</a:t>
-            </a:r>
-            <a:r>
-              <a:rPr lang="en-US" sz="1200" dirty="0" smtClean="0"/>
-              <a:t> (Java Runtime Environment) is an installation package that provides an environment to </a:t>
-            </a:r>
-            <a:r>
-              <a:rPr lang="en-US" sz="1200" b="1" dirty="0" smtClean="0"/>
-              <a:t>only run(not develop)</a:t>
-            </a:r>
-            <a:r>
-              <a:rPr lang="en-US" sz="1200" dirty="0" smtClean="0"/>
-              <a:t> the java program(or application)onto your machine. JRE is only used by those who only want to run Java programs that are end-users of your system.</a:t>
-            </a:r>
-          </a:p>
-          <a:p>
-            <a:pPr fontAlgn="base">
-              <a:buNone/>
-            </a:pPr>
-            <a:r>
-              <a:rPr lang="en-US" sz="1200" dirty="0" smtClean="0">
-                <a:latin typeface="Times New Roman" pitchFamily="18" charset="0"/>
-                <a:cs typeface="Times New Roman" pitchFamily="18" charset="0"/>
-              </a:rPr>
-              <a:t>        </a:t>
-            </a:r>
-            <a:r>
-              <a:rPr lang="en-US" sz="1200" b="1" dirty="0" smtClean="0"/>
-              <a:t> </a:t>
-            </a:r>
-            <a:endParaRPr lang="en-US" sz="1200" b="1" u="sng" dirty="0" smtClean="0"/>
-          </a:p>
-          <a:p>
-            <a:pPr fontAlgn="base">
-              <a:buNone/>
-            </a:pPr>
-            <a:r>
-              <a:rPr lang="en-US" sz="1200" dirty="0" smtClean="0"/>
-              <a:t>          JVM Java virtual memory is a very important part of both JDK and JRE because it is contained or inbuilt in both. Whatever Java program you run using JRE or JDK goes into JVM and JVM is responsible for executing the java program line by line, hence it is also known as an </a:t>
-            </a:r>
-            <a:r>
-              <a:rPr lang="en-US" sz="1200" b="1" u="sng" dirty="0" smtClean="0"/>
-              <a:t>interpreter</a:t>
-            </a:r>
-            <a:endParaRPr lang="en-US" sz="1200" b="1" dirty="0" smtClean="0"/>
-          </a:p>
-          <a:p>
-            <a:pPr fontAlgn="base">
-              <a:buNone/>
-            </a:pPr>
-            <a:r>
-              <a:rPr lang="en-US" sz="1200" b="1" dirty="0" smtClean="0"/>
-              <a:t>          JIT</a:t>
-            </a:r>
-            <a:r>
-              <a:rPr lang="en-US" sz="1200" dirty="0" smtClean="0"/>
-              <a:t> in Java is an integral part of the </a:t>
-            </a:r>
-            <a:r>
-              <a:rPr lang="en-US" sz="1200" b="1" dirty="0" smtClean="0"/>
-              <a:t>JVM</a:t>
-            </a:r>
-            <a:r>
-              <a:rPr lang="en-US" sz="1200" dirty="0" smtClean="0"/>
-              <a:t>. It accelerates execution performance many times over the previous level</a:t>
-            </a:r>
-            <a:endParaRPr lang="en-US" sz="1200" dirty="0" smtClean="0">
-              <a:latin typeface="Times New Roman" pitchFamily="18" charset="0"/>
-              <a:cs typeface="Times New Roman" pitchFamily="18" charset="0"/>
-            </a:endParaRPr>
-          </a:p>
-          <a:p>
-            <a:endParaRPr lang="en-US" dirty="0"/>
-          </a:p>
-        </p:txBody>
-      </p:sp>
-    </p:spTree>
-  </p:cSld>
-  <p:clrMapOvr>
-    <a:masterClrMapping/>
-  </p:clrMapOvr>
-</p:sld>
-</file>
-
-<file path=ppt/slides/slide14.xml><?xml version="1.0" encoding="utf-8"?>
 <p:sld xmlns:a="http://schemas.openxmlformats.org/drawingml/2006/main" xmlns:r="http://schemas.openxmlformats.org/officeDocument/2006/relationships" xmlns:p="http://schemas.openxmlformats.org/presentationml/2006/main">
   <p:cSld>
     <p:spTree>
@@ -4198,6 +3440,316 @@
 </p:sld>
 </file>
 
+<file path=ppt/slides/slide12.xml><?xml version="1.0" encoding="utf-8"?>
+<p:sld xmlns:a="http://schemas.openxmlformats.org/drawingml/2006/main" xmlns:r="http://schemas.openxmlformats.org/officeDocument/2006/relationships" xmlns:p="http://schemas.openxmlformats.org/presentationml/2006/main">
+  <p:cSld>
+    <p:spTree>
+      <p:nvGrpSpPr>
+        <p:cNvPr id="1" name=""/>
+        <p:cNvGrpSpPr/>
+        <p:nvPr/>
+      </p:nvGrpSpPr>
+      <p:grpSpPr>
+        <a:xfrm>
+          <a:off x="0" y="0"/>
+          <a:ext cx="0" cy="0"/>
+          <a:chOff x="0" y="0"/>
+          <a:chExt cx="0" cy="0"/>
+        </a:xfrm>
+      </p:grpSpPr>
+      <p:sp>
+        <p:nvSpPr>
+          <p:cNvPr id="2" name="Title 1"/>
+          <p:cNvSpPr>
+            <a:spLocks noGrp="1"/>
+          </p:cNvSpPr>
+          <p:nvPr>
+            <p:ph type="title"/>
+          </p:nvPr>
+        </p:nvSpPr>
+        <p:spPr/>
+        <p:txBody>
+          <a:bodyPr/>
+          <a:lstStyle/>
+          <a:p>
+            <a:endParaRPr lang="en-US"/>
+          </a:p>
+        </p:txBody>
+      </p:sp>
+      <p:sp>
+        <p:nvSpPr>
+          <p:cNvPr id="3" name="Content Placeholder 2"/>
+          <p:cNvSpPr>
+            <a:spLocks noGrp="1"/>
+          </p:cNvSpPr>
+          <p:nvPr>
+            <p:ph idx="1"/>
+          </p:nvPr>
+        </p:nvSpPr>
+        <p:spPr/>
+        <p:txBody>
+          <a:bodyPr>
+            <a:normAutofit fontScale="92500"/>
+          </a:bodyPr>
+          <a:lstStyle/>
+          <a:p>
+            <a:r>
+              <a:rPr lang="en-US" dirty="0" smtClean="0"/>
+              <a:t>Install Eclipse IDE Corresponding to Java 8 Version</a:t>
+            </a:r>
+          </a:p>
+          <a:p>
+            <a:r>
+              <a:rPr lang="en-US" dirty="0" smtClean="0"/>
+              <a:t>https://www.eclipse.org/downloads/packages/release/neon/3/eclipse-ide-java-ee-developers</a:t>
+            </a:r>
+          </a:p>
+          <a:p>
+            <a:r>
+              <a:rPr lang="en-US" dirty="0" err="1" smtClean="0"/>
+              <a:t>Git</a:t>
+            </a:r>
+            <a:r>
+              <a:rPr lang="en-US" dirty="0" smtClean="0"/>
+              <a:t>-https://git-scm.com/</a:t>
+            </a:r>
+          </a:p>
+          <a:p>
+            <a:r>
+              <a:rPr lang="en-US" dirty="0" smtClean="0"/>
+              <a:t>Tortoise </a:t>
+            </a:r>
+            <a:r>
+              <a:rPr lang="en-US" dirty="0" err="1" smtClean="0"/>
+              <a:t>Git</a:t>
+            </a:r>
+            <a:r>
+              <a:rPr lang="en-US" dirty="0" smtClean="0"/>
+              <a:t> -https://tortoisegit.org/download/</a:t>
+            </a:r>
+          </a:p>
+          <a:p>
+            <a:r>
+              <a:rPr lang="en-US" dirty="0" err="1" smtClean="0"/>
+              <a:t>Sighn</a:t>
+            </a:r>
+            <a:r>
+              <a:rPr lang="en-US" dirty="0" smtClean="0"/>
+              <a:t> up an account in </a:t>
+            </a:r>
+            <a:r>
+              <a:rPr lang="en-US" dirty="0" err="1" smtClean="0"/>
+              <a:t>git</a:t>
+            </a:r>
+            <a:r>
+              <a:rPr lang="en-US" smtClean="0"/>
+              <a:t>-&gt; https://github.com/</a:t>
+            </a:r>
+            <a:endParaRPr lang="en-US" dirty="0" smtClean="0"/>
+          </a:p>
+          <a:p>
+            <a:pPr>
+              <a:buNone/>
+            </a:pPr>
+            <a:endParaRPr lang="en-US" dirty="0" smtClean="0"/>
+          </a:p>
+        </p:txBody>
+      </p:sp>
+    </p:spTree>
+  </p:cSld>
+  <p:clrMapOvr>
+    <a:masterClrMapping/>
+  </p:clrMapOvr>
+</p:sld>
+</file>
+
+<file path=ppt/slides/slide13.xml><?xml version="1.0" encoding="utf-8"?>
+<p:sld xmlns:a="http://schemas.openxmlformats.org/drawingml/2006/main" xmlns:r="http://schemas.openxmlformats.org/officeDocument/2006/relationships" xmlns:p="http://schemas.openxmlformats.org/presentationml/2006/main">
+  <p:cSld>
+    <p:spTree>
+      <p:nvGrpSpPr>
+        <p:cNvPr id="1" name=""/>
+        <p:cNvGrpSpPr/>
+        <p:nvPr/>
+      </p:nvGrpSpPr>
+      <p:grpSpPr>
+        <a:xfrm>
+          <a:off x="0" y="0"/>
+          <a:ext cx="0" cy="0"/>
+          <a:chOff x="0" y="0"/>
+          <a:chExt cx="0" cy="0"/>
+        </a:xfrm>
+      </p:grpSpPr>
+      <p:sp>
+        <p:nvSpPr>
+          <p:cNvPr id="2" name="Title 1"/>
+          <p:cNvSpPr>
+            <a:spLocks noGrp="1"/>
+          </p:cNvSpPr>
+          <p:nvPr>
+            <p:ph type="title"/>
+          </p:nvPr>
+        </p:nvSpPr>
+        <p:spPr/>
+        <p:txBody>
+          <a:bodyPr/>
+          <a:lstStyle/>
+          <a:p>
+            <a:r>
+              <a:rPr lang="en-US" dirty="0" smtClean="0"/>
+              <a:t>Semantic Error</a:t>
+            </a:r>
+            <a:endParaRPr lang="en-US" dirty="0"/>
+          </a:p>
+        </p:txBody>
+      </p:sp>
+      <p:sp>
+        <p:nvSpPr>
+          <p:cNvPr id="3" name="Content Placeholder 2"/>
+          <p:cNvSpPr>
+            <a:spLocks noGrp="1"/>
+          </p:cNvSpPr>
+          <p:nvPr>
+            <p:ph idx="1"/>
+          </p:nvPr>
+        </p:nvSpPr>
+        <p:spPr/>
+        <p:txBody>
+          <a:bodyPr/>
+          <a:lstStyle/>
+          <a:p>
+            <a:r>
+              <a:rPr lang="en-US" dirty="0" smtClean="0"/>
+              <a:t>this type of error appears. These types of error are detected at compile time</a:t>
+            </a:r>
+            <a:r>
+              <a:rPr lang="en-US" dirty="0" smtClean="0"/>
+              <a:t>.</a:t>
+            </a:r>
+          </a:p>
+          <a:p>
+            <a:r>
+              <a:rPr lang="en-US" dirty="0" smtClean="0"/>
+              <a:t>Most of the compile time errors are scope and declaration </a:t>
+            </a:r>
+            <a:r>
+              <a:rPr lang="en-US" dirty="0" smtClean="0"/>
+              <a:t>error</a:t>
+            </a:r>
+          </a:p>
+          <a:p>
+            <a:r>
+              <a:rPr lang="en-US" dirty="0" smtClean="0"/>
+              <a:t>Example</a:t>
+            </a:r>
+          </a:p>
+          <a:p>
+            <a:pPr>
+              <a:buNone/>
+            </a:pPr>
+            <a:r>
+              <a:rPr lang="en-US" b="1" dirty="0" smtClean="0"/>
+              <a:t>  </a:t>
+            </a:r>
+            <a:r>
+              <a:rPr lang="en-US" b="1" dirty="0" err="1" smtClean="0"/>
+              <a:t>int</a:t>
+            </a:r>
+            <a:r>
+              <a:rPr lang="en-US" dirty="0" smtClean="0"/>
+              <a:t> a = "hello";</a:t>
+            </a:r>
+            <a:endParaRPr lang="en-US" dirty="0"/>
+          </a:p>
+        </p:txBody>
+      </p:sp>
+    </p:spTree>
+  </p:cSld>
+  <p:clrMapOvr>
+    <a:masterClrMapping/>
+  </p:clrMapOvr>
+</p:sld>
+</file>
+
+<file path=ppt/slides/slide14.xml><?xml version="1.0" encoding="utf-8"?>
+<p:sld xmlns:a="http://schemas.openxmlformats.org/drawingml/2006/main" xmlns:r="http://schemas.openxmlformats.org/officeDocument/2006/relationships" xmlns:p="http://schemas.openxmlformats.org/presentationml/2006/main">
+  <p:cSld>
+    <p:spTree>
+      <p:nvGrpSpPr>
+        <p:cNvPr id="1" name=""/>
+        <p:cNvGrpSpPr/>
+        <p:nvPr/>
+      </p:nvGrpSpPr>
+      <p:grpSpPr>
+        <a:xfrm>
+          <a:off x="0" y="0"/>
+          <a:ext cx="0" cy="0"/>
+          <a:chOff x="0" y="0"/>
+          <a:chExt cx="0" cy="0"/>
+        </a:xfrm>
+      </p:grpSpPr>
+      <p:sp>
+        <p:nvSpPr>
+          <p:cNvPr id="2" name="Title 1"/>
+          <p:cNvSpPr>
+            <a:spLocks noGrp="1"/>
+          </p:cNvSpPr>
+          <p:nvPr>
+            <p:ph type="title"/>
+          </p:nvPr>
+        </p:nvSpPr>
+        <p:spPr/>
+        <p:txBody>
+          <a:bodyPr/>
+          <a:lstStyle/>
+          <a:p>
+            <a:r>
+              <a:rPr lang="en-US" dirty="0" smtClean="0"/>
+              <a:t>Syntax Error</a:t>
+            </a:r>
+            <a:endParaRPr lang="en-US" dirty="0"/>
+          </a:p>
+        </p:txBody>
+      </p:sp>
+      <p:sp>
+        <p:nvSpPr>
+          <p:cNvPr id="3" name="Content Placeholder 2"/>
+          <p:cNvSpPr>
+            <a:spLocks noGrp="1"/>
+          </p:cNvSpPr>
+          <p:nvPr>
+            <p:ph idx="1"/>
+          </p:nvPr>
+        </p:nvSpPr>
+        <p:spPr/>
+        <p:txBody>
+          <a:bodyPr/>
+          <a:lstStyle/>
+          <a:p>
+            <a:r>
+              <a:rPr lang="en-US" dirty="0" smtClean="0"/>
+              <a:t>Syntax errors are </a:t>
+            </a:r>
+            <a:r>
+              <a:rPr lang="en-US" b="1" dirty="0" smtClean="0"/>
+              <a:t>a type of compiler error</a:t>
+            </a:r>
+            <a:r>
+              <a:rPr lang="en-US" dirty="0" smtClean="0"/>
+              <a:t>. This means they will be detected immediately when the programmer tries to convert his source code into a program</a:t>
+            </a:r>
+            <a:endParaRPr lang="en-US" dirty="0"/>
+          </a:p>
+        </p:txBody>
+      </p:sp>
+    </p:spTree>
+  </p:cSld>
+  <p:clrMapOvr>
+    <a:masterClrMapping/>
+  </p:clrMapOvr>
+</p:sld>
+</file>
+
 <file path=ppt/slides/slide15.xml><?xml version="1.0" encoding="utf-8"?>
 <p:sld xmlns:a="http://schemas.openxmlformats.org/drawingml/2006/main" xmlns:r="http://schemas.openxmlformats.org/officeDocument/2006/relationships" xmlns:p="http://schemas.openxmlformats.org/presentationml/2006/main">
   <p:cSld>
@@ -4230,7 +3782,11 @@
           <a:bodyPr/>
           <a:lstStyle/>
           <a:p>
-            <a:endParaRPr lang="en-US"/>
+            <a:r>
+              <a:rPr lang="en-US" dirty="0" smtClean="0"/>
+              <a:t>Phases</a:t>
+            </a:r>
+            <a:endParaRPr lang="en-US" dirty="0"/>
           </a:p>
         </p:txBody>
       </p:sp>
@@ -4247,69 +3803,75 @@
         <p:spPr/>
         <p:txBody>
           <a:bodyPr>
-            <a:normAutofit fontScale="92500"/>
+            <a:normAutofit fontScale="92500" lnSpcReduction="20000"/>
           </a:bodyPr>
           <a:lstStyle/>
           <a:p>
             <a:r>
               <a:rPr lang="en-US" dirty="0" smtClean="0"/>
-              <a:t>Install Eclipse IDE Corresponding to Java 8 Version</a:t>
-            </a:r>
-          </a:p>
-          <a:p>
-            <a:r>
-              <a:rPr lang="en-US" dirty="0" smtClean="0"/>
-              <a:t>https://www.eclipse.org/downloads/packages/release/neon/3/eclipse-ide-java-ee-developers</a:t>
-            </a:r>
-          </a:p>
-          <a:p>
-            <a:r>
-              <a:rPr lang="en-US" dirty="0" err="1" smtClean="0"/>
-              <a:t>Git</a:t>
-            </a:r>
-            <a:r>
-              <a:rPr lang="en-US" dirty="0" smtClean="0"/>
-              <a:t>-https://git-scm.com/</a:t>
-            </a:r>
-          </a:p>
-          <a:p>
-            <a:r>
-              <a:rPr lang="en-US" dirty="0" smtClean="0"/>
-              <a:t>Tortoise </a:t>
-            </a:r>
-            <a:r>
-              <a:rPr lang="en-US" dirty="0" err="1" smtClean="0"/>
-              <a:t>Git</a:t>
-            </a:r>
-            <a:r>
-              <a:rPr lang="en-US" dirty="0" smtClean="0"/>
-              <a:t> -https://tortoisegit.org/download/</a:t>
-            </a:r>
-          </a:p>
-          <a:p>
-            <a:r>
-              <a:rPr lang="en-US" dirty="0" err="1" smtClean="0"/>
-              <a:t>Sighn</a:t>
-            </a:r>
-            <a:r>
-              <a:rPr lang="en-US" dirty="0" smtClean="0"/>
-              <a:t> up an account in </a:t>
-            </a:r>
-            <a:r>
-              <a:rPr lang="en-US" dirty="0" err="1" smtClean="0"/>
-              <a:t>git</a:t>
-            </a:r>
-            <a:r>
-              <a:rPr lang="en-US" smtClean="0"/>
-              <a:t>-&gt; https://github.com/</a:t>
-            </a:r>
-            <a:endParaRPr lang="en-US" dirty="0" smtClean="0"/>
-          </a:p>
-          <a:p>
-            <a:pPr>
-              <a:buNone/>
-            </a:pPr>
-            <a:endParaRPr lang="en-US" dirty="0" smtClean="0"/>
+              <a:t>Compile time</a:t>
+            </a:r>
+          </a:p>
+          <a:p>
+            <a:r>
+              <a:rPr lang="en-US" dirty="0" smtClean="0"/>
+              <a:t>Run time</a:t>
+            </a:r>
+          </a:p>
+          <a:p>
+            <a:r>
+              <a:rPr lang="en-US" dirty="0" smtClean="0"/>
+              <a:t>Every time you run a Java program, the Java compiler creates a .class file from the Java source code file</a:t>
+            </a:r>
+            <a:r>
+              <a:rPr lang="en-US" dirty="0" smtClean="0"/>
+              <a:t>.</a:t>
+            </a:r>
+          </a:p>
+          <a:p>
+            <a:r>
+              <a:rPr lang="en-US" dirty="0" smtClean="0"/>
+              <a:t>The </a:t>
+            </a:r>
+            <a:r>
+              <a:rPr lang="en-US" b="1" dirty="0" smtClean="0"/>
+              <a:t>Java Virtual </a:t>
+            </a:r>
+            <a:r>
+              <a:rPr lang="en-US" b="1" dirty="0" smtClean="0"/>
+              <a:t>Machine(JVM) </a:t>
+            </a:r>
+            <a:r>
+              <a:rPr lang="en-US" dirty="0" smtClean="0"/>
+              <a:t>then loads the .class file and executes the main </a:t>
+            </a:r>
+            <a:r>
+              <a:rPr lang="en-US" dirty="0" smtClean="0"/>
+              <a:t>method,</a:t>
+            </a:r>
+            <a:r>
+              <a:rPr lang="en-US" dirty="0" smtClean="0"/>
+              <a:t> which is the entry point for the Java </a:t>
+            </a:r>
+            <a:r>
+              <a:rPr lang="en-US" dirty="0" smtClean="0"/>
+              <a:t>application</a:t>
+            </a:r>
+          </a:p>
+          <a:p>
+            <a:r>
+              <a:rPr lang="en-US" dirty="0" smtClean="0"/>
+              <a:t>This </a:t>
+            </a:r>
+            <a:r>
+              <a:rPr lang="en-US" dirty="0" smtClean="0"/>
+              <a:t>is one of the reasons why it is absolutely necessary to have a </a:t>
+            </a:r>
+            <a:r>
+              <a:rPr lang="en-US" b="1" dirty="0" smtClean="0"/>
+              <a:t>main method for classes where you have executable code</a:t>
+            </a:r>
+            <a:endParaRPr lang="en-US" b="1" dirty="0"/>
           </a:p>
         </p:txBody>
       </p:sp>
@@ -4353,6 +3915,226 @@
           <a:bodyPr/>
           <a:lstStyle/>
           <a:p>
+            <a:endParaRPr lang="en-US"/>
+          </a:p>
+        </p:txBody>
+      </p:sp>
+      <p:sp>
+        <p:nvSpPr>
+          <p:cNvPr id="3" name="Content Placeholder 2"/>
+          <p:cNvSpPr>
+            <a:spLocks noGrp="1"/>
+          </p:cNvSpPr>
+          <p:nvPr>
+            <p:ph idx="1"/>
+          </p:nvPr>
+        </p:nvSpPr>
+        <p:spPr/>
+        <p:txBody>
+          <a:bodyPr/>
+          <a:lstStyle/>
+          <a:p>
+            <a:r>
+              <a:rPr lang="en-US" dirty="0" smtClean="0"/>
+              <a:t>A </a:t>
+            </a:r>
+            <a:r>
+              <a:rPr lang="en-US" dirty="0" smtClean="0"/>
+              <a:t>class file contains the Java </a:t>
+            </a:r>
+            <a:r>
+              <a:rPr lang="en-US" b="1" dirty="0" err="1" smtClean="0"/>
+              <a:t>bytecode</a:t>
+            </a:r>
+            <a:r>
+              <a:rPr lang="en-US" dirty="0" smtClean="0"/>
+              <a:t> and has a ".class" </a:t>
+            </a:r>
+            <a:r>
+              <a:rPr lang="en-US" dirty="0" smtClean="0"/>
+              <a:t>extension</a:t>
+            </a:r>
+          </a:p>
+          <a:p>
+            <a:r>
+              <a:rPr lang="en-US" dirty="0" smtClean="0"/>
+              <a:t>This file is what the </a:t>
+            </a:r>
+            <a:r>
+              <a:rPr lang="en-US" b="1" dirty="0" smtClean="0"/>
+              <a:t>Java Virtual Machine (JVM) interprets and converts </a:t>
+            </a:r>
+            <a:r>
+              <a:rPr lang="en-US" dirty="0" smtClean="0"/>
+              <a:t>into machine </a:t>
+            </a:r>
+            <a:r>
+              <a:rPr lang="en-US" dirty="0" smtClean="0"/>
+              <a:t>code</a:t>
+            </a:r>
+          </a:p>
+          <a:p>
+            <a:r>
+              <a:rPr lang="en-US" dirty="0" smtClean="0"/>
+              <a:t>The class </a:t>
+            </a:r>
+            <a:r>
+              <a:rPr lang="en-US" dirty="0" smtClean="0"/>
+              <a:t>file(.class) </a:t>
+            </a:r>
+            <a:r>
+              <a:rPr lang="en-US" dirty="0" smtClean="0"/>
+              <a:t>is used by the </a:t>
+            </a:r>
+            <a:r>
+              <a:rPr lang="en-US" b="1" dirty="0" smtClean="0"/>
+              <a:t>JVM </a:t>
+            </a:r>
+            <a:r>
+              <a:rPr lang="en-US" dirty="0" smtClean="0"/>
+              <a:t>and not meant for your specific operating system</a:t>
+            </a:r>
+            <a:endParaRPr lang="en-US" dirty="0"/>
+          </a:p>
+        </p:txBody>
+      </p:sp>
+    </p:spTree>
+  </p:cSld>
+  <p:clrMapOvr>
+    <a:masterClrMapping/>
+  </p:clrMapOvr>
+</p:sld>
+</file>
+
+<file path=ppt/slides/slide17.xml><?xml version="1.0" encoding="utf-8"?>
+<p:sld xmlns:a="http://schemas.openxmlformats.org/drawingml/2006/main" xmlns:r="http://schemas.openxmlformats.org/officeDocument/2006/relationships" xmlns:p="http://schemas.openxmlformats.org/presentationml/2006/main">
+  <p:cSld>
+    <p:spTree>
+      <p:nvGrpSpPr>
+        <p:cNvPr id="1" name=""/>
+        <p:cNvGrpSpPr/>
+        <p:nvPr/>
+      </p:nvGrpSpPr>
+      <p:grpSpPr>
+        <a:xfrm>
+          <a:off x="0" y="0"/>
+          <a:ext cx="0" cy="0"/>
+          <a:chOff x="0" y="0"/>
+          <a:chExt cx="0" cy="0"/>
+        </a:xfrm>
+      </p:grpSpPr>
+      <p:sp>
+        <p:nvSpPr>
+          <p:cNvPr id="2" name="Title 1"/>
+          <p:cNvSpPr>
+            <a:spLocks noGrp="1"/>
+          </p:cNvSpPr>
+          <p:nvPr>
+            <p:ph type="title"/>
+          </p:nvPr>
+        </p:nvSpPr>
+        <p:spPr/>
+        <p:txBody>
+          <a:bodyPr/>
+          <a:lstStyle/>
+          <a:p>
+            <a:endParaRPr lang="en-US"/>
+          </a:p>
+        </p:txBody>
+      </p:sp>
+      <p:sp>
+        <p:nvSpPr>
+          <p:cNvPr id="3" name="Content Placeholder 2"/>
+          <p:cNvSpPr>
+            <a:spLocks noGrp="1"/>
+          </p:cNvSpPr>
+          <p:nvPr>
+            <p:ph idx="1"/>
+          </p:nvPr>
+        </p:nvSpPr>
+        <p:spPr/>
+        <p:txBody>
+          <a:bodyPr/>
+          <a:lstStyle/>
+          <a:p>
+            <a:r>
+              <a:rPr lang="fr-FR" dirty="0" smtClean="0"/>
+              <a:t>The source </a:t>
+            </a:r>
+            <a:r>
+              <a:rPr lang="fr-FR" dirty="0" smtClean="0"/>
+              <a:t>code file has file extension "</a:t>
+            </a:r>
+            <a:r>
+              <a:rPr lang="fr-FR" b="1" dirty="0" smtClean="0"/>
+              <a:t>.</a:t>
+            </a:r>
+            <a:r>
+              <a:rPr lang="fr-FR" dirty="0" smtClean="0"/>
+              <a:t> </a:t>
+            </a:r>
+            <a:r>
+              <a:rPr lang="fr-FR" b="1" dirty="0" smtClean="0"/>
+              <a:t>java</a:t>
+            </a:r>
+            <a:r>
+              <a:rPr lang="fr-FR" dirty="0" smtClean="0"/>
+              <a:t> </a:t>
+            </a:r>
+          </a:p>
+          <a:p>
+            <a:r>
+              <a:rPr lang="en-US" dirty="0" smtClean="0"/>
+              <a:t>The extension name of a Java class file </a:t>
+            </a:r>
+            <a:r>
+              <a:rPr lang="en-US" dirty="0" smtClean="0"/>
+              <a:t>is  .class</a:t>
+            </a:r>
+            <a:endParaRPr lang="en-US" dirty="0"/>
+          </a:p>
+        </p:txBody>
+      </p:sp>
+    </p:spTree>
+  </p:cSld>
+  <p:clrMapOvr>
+    <a:masterClrMapping/>
+  </p:clrMapOvr>
+</p:sld>
+</file>
+
+<file path=ppt/slides/slide18.xml><?xml version="1.0" encoding="utf-8"?>
+<p:sld xmlns:a="http://schemas.openxmlformats.org/drawingml/2006/main" xmlns:r="http://schemas.openxmlformats.org/officeDocument/2006/relationships" xmlns:p="http://schemas.openxmlformats.org/presentationml/2006/main">
+  <p:cSld>
+    <p:spTree>
+      <p:nvGrpSpPr>
+        <p:cNvPr id="1" name=""/>
+        <p:cNvGrpSpPr/>
+        <p:nvPr/>
+      </p:nvGrpSpPr>
+      <p:grpSpPr>
+        <a:xfrm>
+          <a:off x="0" y="0"/>
+          <a:ext cx="0" cy="0"/>
+          <a:chOff x="0" y="0"/>
+          <a:chExt cx="0" cy="0"/>
+        </a:xfrm>
+      </p:grpSpPr>
+      <p:sp>
+        <p:nvSpPr>
+          <p:cNvPr id="2" name="Title 1"/>
+          <p:cNvSpPr>
+            <a:spLocks noGrp="1"/>
+          </p:cNvSpPr>
+          <p:nvPr>
+            <p:ph type="title"/>
+          </p:nvPr>
+        </p:nvSpPr>
+        <p:spPr/>
+        <p:txBody>
+          <a:bodyPr/>
+          <a:lstStyle/>
+          <a:p>
             <a:r>
               <a:rPr lang="en-US" dirty="0" smtClean="0"/>
               <a:t>End Of Session 1</a:t>
@@ -4424,11 +4206,7 @@
           <a:bodyPr/>
           <a:lstStyle/>
           <a:p>
-            <a:r>
-              <a:rPr lang="en-US" dirty="0" smtClean="0"/>
-              <a:t>Application</a:t>
-            </a:r>
-            <a:endParaRPr lang="en-US" dirty="0"/>
+            <a:endParaRPr lang="en-US"/>
           </a:p>
         </p:txBody>
       </p:sp>
@@ -4444,38 +4222,138 @@
         </p:nvSpPr>
         <p:spPr/>
         <p:txBody>
-          <a:bodyPr/>
-          <a:lstStyle/>
-          <a:p>
-            <a:r>
-              <a:rPr lang="en-US" dirty="0" smtClean="0"/>
-              <a:t>Web</a:t>
-            </a:r>
-          </a:p>
-          <a:p>
-            <a:r>
-              <a:rPr lang="en-US" dirty="0" smtClean="0"/>
-              <a:t>Desktop</a:t>
-            </a:r>
-          </a:p>
-          <a:p>
-            <a:r>
-              <a:rPr lang="en-US" dirty="0" smtClean="0"/>
-              <a:t>Mobile</a:t>
-            </a:r>
-          </a:p>
-          <a:p>
-            <a:r>
-              <a:rPr lang="en-US" dirty="0" smtClean="0"/>
-              <a:t>Embedded</a:t>
-            </a:r>
-          </a:p>
-          <a:p>
-            <a:r>
-              <a:rPr lang="en-US" dirty="0" smtClean="0"/>
-              <a:t>Robotics</a:t>
-            </a:r>
-            <a:endParaRPr lang="en-US" dirty="0"/>
+          <a:bodyPr>
+            <a:normAutofit/>
+          </a:bodyPr>
+          <a:lstStyle/>
+          <a:p>
+            <a:r>
+              <a:rPr lang="en-US" sz="1400" b="1" dirty="0" smtClean="0"/>
+              <a:t>class</a:t>
+            </a:r>
+            <a:r>
+              <a:rPr lang="en-US" sz="1400" dirty="0" smtClean="0"/>
+              <a:t> keyword is used to declare a class in Java.</a:t>
+            </a:r>
+          </a:p>
+          <a:p>
+            <a:r>
+              <a:rPr lang="en-US" sz="1400" b="1" dirty="0" smtClean="0"/>
+              <a:t>public</a:t>
+            </a:r>
+            <a:r>
+              <a:rPr lang="en-US" sz="1400" dirty="0" smtClean="0"/>
+              <a:t> keyword is an access modifier that represents visibility. It means it is visible to all</a:t>
+            </a:r>
+          </a:p>
+          <a:p>
+            <a:r>
+              <a:rPr lang="en-US" sz="1400" b="1" dirty="0" smtClean="0"/>
+              <a:t>static</a:t>
+            </a:r>
+            <a:r>
+              <a:rPr lang="en-US" sz="1400" dirty="0" smtClean="0"/>
+              <a:t> is a keyword. If we declare any method as static, it is known as the static method. The core advantage of the static method is that there is no need to create an object to invoke the static method. The main() method is executed by the JVM, so it doesn't require creating an object to invoke the main() method. So, it saves memory</a:t>
+            </a:r>
+          </a:p>
+          <a:p>
+            <a:r>
+              <a:rPr lang="en-US" sz="1400" b="1" dirty="0" smtClean="0"/>
+              <a:t>void</a:t>
+            </a:r>
+            <a:r>
+              <a:rPr lang="en-US" sz="1400" dirty="0" smtClean="0"/>
+              <a:t> is the return type of the method. It means it doesn't return any value</a:t>
+            </a:r>
+          </a:p>
+          <a:p>
+            <a:r>
+              <a:rPr lang="en-US" sz="1400" b="1" dirty="0" smtClean="0"/>
+              <a:t>main</a:t>
+            </a:r>
+            <a:r>
+              <a:rPr lang="en-US" sz="1400" dirty="0" smtClean="0"/>
+              <a:t> represents the starting point of the program</a:t>
+            </a:r>
+          </a:p>
+          <a:p>
+            <a:r>
+              <a:rPr lang="en-US" sz="1400" b="1" dirty="0" smtClean="0"/>
+              <a:t>String[] </a:t>
+            </a:r>
+            <a:r>
+              <a:rPr lang="en-US" sz="1400" b="1" dirty="0" err="1" smtClean="0"/>
+              <a:t>args</a:t>
+            </a:r>
+            <a:r>
+              <a:rPr lang="en-US" sz="1400" dirty="0" smtClean="0"/>
+              <a:t> or </a:t>
+            </a:r>
+            <a:r>
+              <a:rPr lang="en-US" sz="1400" b="1" dirty="0" smtClean="0"/>
+              <a:t>String </a:t>
+            </a:r>
+            <a:r>
+              <a:rPr lang="en-US" sz="1400" b="1" dirty="0" err="1" smtClean="0"/>
+              <a:t>args</a:t>
+            </a:r>
+            <a:r>
+              <a:rPr lang="en-US" sz="1400" b="1" dirty="0" smtClean="0"/>
+              <a:t>[]</a:t>
+            </a:r>
+            <a:r>
+              <a:rPr lang="en-US" sz="1400" dirty="0" smtClean="0"/>
+              <a:t> is used for </a:t>
+            </a:r>
+            <a:r>
+              <a:rPr lang="en-US" sz="1400" dirty="0" smtClean="0">
+                <a:hlinkClick r:id="rId2"/>
+              </a:rPr>
+              <a:t>command line argument</a:t>
+            </a:r>
+            <a:r>
+              <a:rPr lang="en-US" sz="1400" dirty="0" smtClean="0"/>
+              <a:t>. </a:t>
+            </a:r>
+          </a:p>
+          <a:p>
+            <a:r>
+              <a:rPr lang="en-US" sz="1400" b="1" dirty="0" err="1" smtClean="0"/>
+              <a:t>System.out.println</a:t>
+            </a:r>
+            <a:r>
+              <a:rPr lang="en-US" sz="1400" b="1" dirty="0" smtClean="0"/>
+              <a:t>()</a:t>
+            </a:r>
+            <a:r>
+              <a:rPr lang="en-US" sz="1400" dirty="0" smtClean="0"/>
+              <a:t> is used to print statement. Here, System is a class, out is an object of the </a:t>
+            </a:r>
+            <a:r>
+              <a:rPr lang="en-US" sz="1400" dirty="0" err="1" smtClean="0"/>
+              <a:t>PrintStream</a:t>
+            </a:r>
+            <a:r>
+              <a:rPr lang="en-US" sz="1400" dirty="0" smtClean="0"/>
+              <a:t> class, </a:t>
+            </a:r>
+            <a:r>
+              <a:rPr lang="en-US" sz="1400" dirty="0" err="1" smtClean="0"/>
+              <a:t>println</a:t>
+            </a:r>
+            <a:r>
+              <a:rPr lang="en-US" sz="1400" dirty="0" smtClean="0"/>
+              <a:t>() is a method of the </a:t>
+            </a:r>
+            <a:r>
+              <a:rPr lang="en-US" sz="1400" dirty="0" err="1" smtClean="0"/>
+              <a:t>PrintStream</a:t>
+            </a:r>
+            <a:r>
+              <a:rPr lang="en-US" sz="1400" dirty="0" smtClean="0"/>
+              <a:t> class</a:t>
+            </a:r>
+            <a:endParaRPr lang="en-US" sz="1400" dirty="0"/>
           </a:p>
         </p:txBody>
       </p:sp>
@@ -4516,13 +4394,18 @@
         </p:nvSpPr>
         <p:spPr/>
         <p:txBody>
-          <a:bodyPr/>
-          <a:lstStyle/>
-          <a:p>
-            <a:r>
-              <a:rPr lang="en-US" dirty="0" smtClean="0"/>
-              <a:t>Types of Application</a:t>
-            </a:r>
+          <a:bodyPr>
+            <a:normAutofit fontScale="90000"/>
+          </a:bodyPr>
+          <a:lstStyle/>
+          <a:p>
+            <a:r>
+              <a:rPr lang="en-US" dirty="0" smtClean="0"/>
+              <a:t>Platform Independent</a:t>
+            </a:r>
+            <a:br>
+              <a:rPr lang="en-US" dirty="0" smtClean="0"/>
+            </a:br>
             <a:endParaRPr lang="en-US" dirty="0"/>
           </a:p>
         </p:txBody>
@@ -4543,26 +4426,38 @@
           <a:lstStyle/>
           <a:p>
             <a:r>
-              <a:rPr lang="en-US" dirty="0"/>
-              <a:t>Standalone Application</a:t>
-            </a:r>
-          </a:p>
-          <a:p>
-            <a:r>
-              <a:rPr lang="en-US" dirty="0"/>
-              <a:t>Web Application</a:t>
-            </a:r>
-          </a:p>
-          <a:p>
-            <a:r>
-              <a:rPr lang="en-US" dirty="0"/>
-              <a:t>Enterprise Application</a:t>
-            </a:r>
-          </a:p>
-          <a:p>
-            <a:r>
-              <a:rPr lang="en-US" dirty="0"/>
-              <a:t>Mobile Application</a:t>
+              <a:rPr lang="en-US" dirty="0" smtClean="0"/>
+              <a:t>Java is a write once, run anywhere language</a:t>
+            </a:r>
+          </a:p>
+          <a:p>
+            <a:r>
+              <a:rPr lang="en-US" dirty="0" smtClean="0"/>
+              <a:t>Java provides a software-based platform.</a:t>
+            </a:r>
+          </a:p>
+          <a:p>
+            <a:r>
+              <a:rPr lang="en-US" dirty="0" smtClean="0"/>
+              <a:t>Runs on top of other hardware-based platforms. </a:t>
+            </a:r>
+          </a:p>
+          <a:p>
+            <a:r>
+              <a:rPr lang="en-US" dirty="0" smtClean="0"/>
+              <a:t>It has two components:</a:t>
+            </a:r>
+          </a:p>
+          <a:p>
+            <a:r>
+              <a:rPr lang="en-US" dirty="0" smtClean="0"/>
+              <a:t>   Runtime Environment</a:t>
+            </a:r>
+          </a:p>
+          <a:p>
+            <a:r>
+              <a:rPr lang="en-US" dirty="0" smtClean="0"/>
+              <a:t>    API(Application Programming Interface)</a:t>
             </a:r>
           </a:p>
           <a:p>
@@ -4579,180 +4474,6 @@
 </file>
 
 <file path=ppt/slides/slide4.xml><?xml version="1.0" encoding="utf-8"?>
-<p:sld xmlns:a="http://schemas.openxmlformats.org/drawingml/2006/main" xmlns:r="http://schemas.openxmlformats.org/officeDocument/2006/relationships" xmlns:p="http://schemas.openxmlformats.org/presentationml/2006/main">
-  <p:cSld>
-    <p:spTree>
-      <p:nvGrpSpPr>
-        <p:cNvPr id="1" name=""/>
-        <p:cNvGrpSpPr/>
-        <p:nvPr/>
-      </p:nvGrpSpPr>
-      <p:grpSpPr>
-        <a:xfrm>
-          <a:off x="0" y="0"/>
-          <a:ext cx="0" cy="0"/>
-          <a:chOff x="0" y="0"/>
-          <a:chExt cx="0" cy="0"/>
-        </a:xfrm>
-      </p:grpSpPr>
-      <p:sp>
-        <p:nvSpPr>
-          <p:cNvPr id="2" name="Title 1"/>
-          <p:cNvSpPr>
-            <a:spLocks noGrp="1"/>
-          </p:cNvSpPr>
-          <p:nvPr>
-            <p:ph type="title"/>
-          </p:nvPr>
-        </p:nvSpPr>
-        <p:spPr/>
-        <p:txBody>
-          <a:bodyPr/>
-          <a:lstStyle/>
-          <a:p>
-            <a:endParaRPr lang="en-US"/>
-          </a:p>
-        </p:txBody>
-      </p:sp>
-      <p:sp>
-        <p:nvSpPr>
-          <p:cNvPr id="3" name="Content Placeholder 2"/>
-          <p:cNvSpPr>
-            <a:spLocks noGrp="1"/>
-          </p:cNvSpPr>
-          <p:nvPr>
-            <p:ph idx="1"/>
-          </p:nvPr>
-        </p:nvSpPr>
-        <p:spPr/>
-        <p:txBody>
-          <a:bodyPr/>
-          <a:lstStyle/>
-          <a:p>
-            <a:r>
-              <a:rPr lang="en-US" dirty="0"/>
-              <a:t>The current stable release of Java is Java SE 10</a:t>
-            </a:r>
-          </a:p>
-        </p:txBody>
-      </p:sp>
-    </p:spTree>
-  </p:cSld>
-  <p:clrMapOvr>
-    <a:masterClrMapping/>
-  </p:clrMapOvr>
-</p:sld>
-</file>
-
-<file path=ppt/slides/slide5.xml><?xml version="1.0" encoding="utf-8"?>
-<p:sld xmlns:a="http://schemas.openxmlformats.org/drawingml/2006/main" xmlns:r="http://schemas.openxmlformats.org/officeDocument/2006/relationships" xmlns:p="http://schemas.openxmlformats.org/presentationml/2006/main">
-  <p:cSld>
-    <p:spTree>
-      <p:nvGrpSpPr>
-        <p:cNvPr id="1" name=""/>
-        <p:cNvGrpSpPr/>
-        <p:nvPr/>
-      </p:nvGrpSpPr>
-      <p:grpSpPr>
-        <a:xfrm>
-          <a:off x="0" y="0"/>
-          <a:ext cx="0" cy="0"/>
-          <a:chOff x="0" y="0"/>
-          <a:chExt cx="0" cy="0"/>
-        </a:xfrm>
-      </p:grpSpPr>
-      <p:sp>
-        <p:nvSpPr>
-          <p:cNvPr id="2" name="Title 1"/>
-          <p:cNvSpPr>
-            <a:spLocks noGrp="1"/>
-          </p:cNvSpPr>
-          <p:nvPr>
-            <p:ph type="title"/>
-          </p:nvPr>
-        </p:nvSpPr>
-        <p:spPr/>
-        <p:txBody>
-          <a:bodyPr>
-            <a:normAutofit fontScale="90000"/>
-          </a:bodyPr>
-          <a:lstStyle/>
-          <a:p>
-            <a:r>
-              <a:rPr lang="en-US" dirty="0" smtClean="0"/>
-              <a:t>Platform Independent</a:t>
-            </a:r>
-            <a:br>
-              <a:rPr lang="en-US" dirty="0" smtClean="0"/>
-            </a:br>
-            <a:endParaRPr lang="en-US" dirty="0"/>
-          </a:p>
-        </p:txBody>
-      </p:sp>
-      <p:sp>
-        <p:nvSpPr>
-          <p:cNvPr id="3" name="Content Placeholder 2"/>
-          <p:cNvSpPr>
-            <a:spLocks noGrp="1"/>
-          </p:cNvSpPr>
-          <p:nvPr>
-            <p:ph idx="1"/>
-          </p:nvPr>
-        </p:nvSpPr>
-        <p:spPr/>
-        <p:txBody>
-          <a:bodyPr/>
-          <a:lstStyle/>
-          <a:p>
-            <a:r>
-              <a:rPr lang="en-US" dirty="0" smtClean="0"/>
-              <a:t>Java is a write once, run anywhere language</a:t>
-            </a:r>
-          </a:p>
-          <a:p>
-            <a:r>
-              <a:rPr lang="en-US" dirty="0" smtClean="0"/>
-              <a:t>Java provides a software-based platform.</a:t>
-            </a:r>
-          </a:p>
-          <a:p>
-            <a:r>
-              <a:rPr lang="en-US" dirty="0" smtClean="0"/>
-              <a:t>Runs on top of other hardware-based platforms. </a:t>
-            </a:r>
-          </a:p>
-          <a:p>
-            <a:r>
-              <a:rPr lang="en-US" dirty="0" smtClean="0"/>
-              <a:t>It has two components:</a:t>
-            </a:r>
-          </a:p>
-          <a:p>
-            <a:r>
-              <a:rPr lang="en-US" dirty="0" smtClean="0"/>
-              <a:t>   Runtime Environment</a:t>
-            </a:r>
-          </a:p>
-          <a:p>
-            <a:r>
-              <a:rPr lang="en-US" dirty="0" smtClean="0"/>
-              <a:t>    API(Application Programming Interface)</a:t>
-            </a:r>
-          </a:p>
-          <a:p>
-            <a:endParaRPr lang="en-US" dirty="0"/>
-          </a:p>
-        </p:txBody>
-      </p:sp>
-    </p:spTree>
-  </p:cSld>
-  <p:clrMapOvr>
-    <a:masterClrMapping/>
-  </p:clrMapOvr>
-</p:sld>
-</file>
-
-<file path=ppt/slides/slide6.xml><?xml version="1.0" encoding="utf-8"?>
 <p:sld xmlns:a="http://schemas.openxmlformats.org/drawingml/2006/main" xmlns:r="http://schemas.openxmlformats.org/officeDocument/2006/relationships" xmlns:p="http://schemas.openxmlformats.org/presentationml/2006/main">
   <p:cSld>
     <p:spTree>
@@ -5169,7 +4890,7 @@
 </p:sld>
 </file>
 
-<file path=ppt/slides/slide7.xml><?xml version="1.0" encoding="utf-8"?>
+<file path=ppt/slides/slide5.xml><?xml version="1.0" encoding="utf-8"?>
 <p:sld xmlns:a="http://schemas.openxmlformats.org/drawingml/2006/main" xmlns:r="http://schemas.openxmlformats.org/officeDocument/2006/relationships" xmlns:p="http://schemas.openxmlformats.org/presentationml/2006/main">
   <p:cSld>
     <p:spTree>
@@ -5201,7 +4922,11 @@
           <a:bodyPr/>
           <a:lstStyle/>
           <a:p>
-            <a:endParaRPr lang="en-US"/>
+            <a:r>
+              <a:rPr lang="en-US" dirty="0" smtClean="0"/>
+              <a:t>JDK Installation Path</a:t>
+            </a:r>
+            <a:endParaRPr lang="en-US" dirty="0"/>
           </a:p>
         </p:txBody>
       </p:sp>
@@ -5217,138 +4942,14 @@
         </p:nvSpPr>
         <p:spPr/>
         <p:txBody>
-          <a:bodyPr>
-            <a:normAutofit/>
-          </a:bodyPr>
-          <a:lstStyle/>
-          <a:p>
-            <a:r>
-              <a:rPr lang="en-US" sz="1400" b="1" dirty="0" smtClean="0"/>
-              <a:t>class</a:t>
-            </a:r>
-            <a:r>
-              <a:rPr lang="en-US" sz="1400" dirty="0" smtClean="0"/>
-              <a:t> keyword is used to declare a class in Java.</a:t>
-            </a:r>
-          </a:p>
-          <a:p>
-            <a:r>
-              <a:rPr lang="en-US" sz="1400" b="1" dirty="0" smtClean="0"/>
-              <a:t>public</a:t>
-            </a:r>
-            <a:r>
-              <a:rPr lang="en-US" sz="1400" dirty="0" smtClean="0"/>
-              <a:t> keyword is an access modifier that represents visibility. It means it is visible to all</a:t>
-            </a:r>
-          </a:p>
-          <a:p>
-            <a:r>
-              <a:rPr lang="en-US" sz="1400" b="1" dirty="0" smtClean="0"/>
-              <a:t>static</a:t>
-            </a:r>
-            <a:r>
-              <a:rPr lang="en-US" sz="1400" dirty="0" smtClean="0"/>
-              <a:t> is a keyword. If we declare any method as static, it is known as the static method. The core advantage of the static method is that there is no need to create an object to invoke the static method. The main() method is executed by the JVM, so it doesn't require creating an object to invoke the main() method. So, it saves memory</a:t>
-            </a:r>
-          </a:p>
-          <a:p>
-            <a:r>
-              <a:rPr lang="en-US" sz="1400" b="1" dirty="0" smtClean="0"/>
-              <a:t>void</a:t>
-            </a:r>
-            <a:r>
-              <a:rPr lang="en-US" sz="1400" dirty="0" smtClean="0"/>
-              <a:t> is the return type of the method. It means it doesn't return any value</a:t>
-            </a:r>
-          </a:p>
-          <a:p>
-            <a:r>
-              <a:rPr lang="en-US" sz="1400" b="1" dirty="0" smtClean="0"/>
-              <a:t>main</a:t>
-            </a:r>
-            <a:r>
-              <a:rPr lang="en-US" sz="1400" dirty="0" smtClean="0"/>
-              <a:t> represents the starting point of the program</a:t>
-            </a:r>
-          </a:p>
-          <a:p>
-            <a:r>
-              <a:rPr lang="en-US" sz="1400" b="1" dirty="0" smtClean="0"/>
-              <a:t>String[] </a:t>
-            </a:r>
-            <a:r>
-              <a:rPr lang="en-US" sz="1400" b="1" dirty="0" err="1" smtClean="0"/>
-              <a:t>args</a:t>
-            </a:r>
-            <a:r>
-              <a:rPr lang="en-US" sz="1400" dirty="0" smtClean="0"/>
-              <a:t> or </a:t>
-            </a:r>
-            <a:r>
-              <a:rPr lang="en-US" sz="1400" b="1" dirty="0" smtClean="0"/>
-              <a:t>String </a:t>
-            </a:r>
-            <a:r>
-              <a:rPr lang="en-US" sz="1400" b="1" dirty="0" err="1" smtClean="0"/>
-              <a:t>args</a:t>
-            </a:r>
-            <a:r>
-              <a:rPr lang="en-US" sz="1400" b="1" dirty="0" smtClean="0"/>
-              <a:t>[]</a:t>
-            </a:r>
-            <a:r>
-              <a:rPr lang="en-US" sz="1400" dirty="0" smtClean="0"/>
-              <a:t> is used for </a:t>
-            </a:r>
-            <a:r>
-              <a:rPr lang="en-US" sz="1400" dirty="0" smtClean="0">
-                <a:hlinkClick r:id="rId2"/>
-              </a:rPr>
-              <a:t>command line argument</a:t>
-            </a:r>
-            <a:r>
-              <a:rPr lang="en-US" sz="1400" dirty="0" smtClean="0"/>
-              <a:t>. </a:t>
-            </a:r>
-          </a:p>
-          <a:p>
-            <a:r>
-              <a:rPr lang="en-US" sz="1400" b="1" dirty="0" err="1" smtClean="0"/>
-              <a:t>System.out.println</a:t>
-            </a:r>
-            <a:r>
-              <a:rPr lang="en-US" sz="1400" b="1" dirty="0" smtClean="0"/>
-              <a:t>()</a:t>
-            </a:r>
-            <a:r>
-              <a:rPr lang="en-US" sz="1400" dirty="0" smtClean="0"/>
-              <a:t> is used to print statement. Here, System is a class, out is an object of the </a:t>
-            </a:r>
-            <a:r>
-              <a:rPr lang="en-US" sz="1400" dirty="0" err="1" smtClean="0"/>
-              <a:t>PrintStream</a:t>
-            </a:r>
-            <a:r>
-              <a:rPr lang="en-US" sz="1400" dirty="0" smtClean="0"/>
-              <a:t> class, </a:t>
-            </a:r>
-            <a:r>
-              <a:rPr lang="en-US" sz="1400" dirty="0" err="1" smtClean="0"/>
-              <a:t>println</a:t>
-            </a:r>
-            <a:r>
-              <a:rPr lang="en-US" sz="1400" dirty="0" smtClean="0"/>
-              <a:t>() is a method of the </a:t>
-            </a:r>
-            <a:r>
-              <a:rPr lang="en-US" sz="1400" dirty="0" err="1" smtClean="0"/>
-              <a:t>PrintStream</a:t>
-            </a:r>
-            <a:r>
-              <a:rPr lang="en-US" sz="1400" dirty="0" smtClean="0"/>
-              <a:t> class</a:t>
-            </a:r>
-            <a:endParaRPr lang="en-US" sz="1400" dirty="0"/>
+          <a:bodyPr/>
+          <a:lstStyle/>
+          <a:p>
+            <a:r>
+              <a:rPr lang="en-US" dirty="0" smtClean="0"/>
+              <a:t>https://www.oracle.com/in/java/technologies/javase/javase8-archive-downloads.html</a:t>
+            </a:r>
+            <a:endParaRPr lang="en-US" dirty="0"/>
           </a:p>
         </p:txBody>
       </p:sp>
@@ -5360,78 +4961,7 @@
 </p:sld>
 </file>
 
-<file path=ppt/slides/slide8.xml><?xml version="1.0" encoding="utf-8"?>
-<p:sld xmlns:a="http://schemas.openxmlformats.org/drawingml/2006/main" xmlns:r="http://schemas.openxmlformats.org/officeDocument/2006/relationships" xmlns:p="http://schemas.openxmlformats.org/presentationml/2006/main">
-  <p:cSld>
-    <p:spTree>
-      <p:nvGrpSpPr>
-        <p:cNvPr id="1" name=""/>
-        <p:cNvGrpSpPr/>
-        <p:nvPr/>
-      </p:nvGrpSpPr>
-      <p:grpSpPr>
-        <a:xfrm>
-          <a:off x="0" y="0"/>
-          <a:ext cx="0" cy="0"/>
-          <a:chOff x="0" y="0"/>
-          <a:chExt cx="0" cy="0"/>
-        </a:xfrm>
-      </p:grpSpPr>
-      <p:sp>
-        <p:nvSpPr>
-          <p:cNvPr id="2" name="Title 1"/>
-          <p:cNvSpPr>
-            <a:spLocks noGrp="1"/>
-          </p:cNvSpPr>
-          <p:nvPr>
-            <p:ph type="title"/>
-          </p:nvPr>
-        </p:nvSpPr>
-        <p:spPr/>
-        <p:txBody>
-          <a:bodyPr/>
-          <a:lstStyle/>
-          <a:p>
-            <a:r>
-              <a:rPr lang="en-US" dirty="0" smtClean="0"/>
-              <a:t>JDK Installation Path</a:t>
-            </a:r>
-            <a:endParaRPr lang="en-US" dirty="0"/>
-          </a:p>
-        </p:txBody>
-      </p:sp>
-      <p:sp>
-        <p:nvSpPr>
-          <p:cNvPr id="3" name="Content Placeholder 2"/>
-          <p:cNvSpPr>
-            <a:spLocks noGrp="1"/>
-          </p:cNvSpPr>
-          <p:nvPr>
-            <p:ph idx="1"/>
-          </p:nvPr>
-        </p:nvSpPr>
-        <p:spPr/>
-        <p:txBody>
-          <a:bodyPr/>
-          <a:lstStyle/>
-          <a:p>
-            <a:r>
-              <a:rPr lang="en-US" dirty="0" smtClean="0"/>
-              <a:t>https://www.oracle.com/in/java/technologies/javase/javase8-archive-downloads.html</a:t>
-            </a:r>
-            <a:endParaRPr lang="en-US" dirty="0"/>
-          </a:p>
-        </p:txBody>
-      </p:sp>
-    </p:spTree>
-  </p:cSld>
-  <p:clrMapOvr>
-    <a:masterClrMapping/>
-  </p:clrMapOvr>
-</p:sld>
-</file>
-
-<file path=ppt/slides/slide9.xml><?xml version="1.0" encoding="utf-8"?>
+<file path=ppt/slides/slide6.xml><?xml version="1.0" encoding="utf-8"?>
 <p:sld xmlns:a="http://schemas.openxmlformats.org/drawingml/2006/main" xmlns:r="http://schemas.openxmlformats.org/officeDocument/2006/relationships" xmlns:p="http://schemas.openxmlformats.org/presentationml/2006/main">
   <p:cSld>
     <p:spTree>
@@ -5506,6 +5036,766 @@
           <a:effectLst/>
         </p:spPr>
       </p:pic>
+    </p:spTree>
+  </p:cSld>
+  <p:clrMapOvr>
+    <a:masterClrMapping/>
+  </p:clrMapOvr>
+</p:sld>
+</file>
+
+<file path=ppt/slides/slide7.xml><?xml version="1.0" encoding="utf-8"?>
+<p:sld xmlns:a="http://schemas.openxmlformats.org/drawingml/2006/main" xmlns:r="http://schemas.openxmlformats.org/officeDocument/2006/relationships" xmlns:p="http://schemas.openxmlformats.org/presentationml/2006/main">
+  <p:cSld>
+    <p:spTree>
+      <p:nvGrpSpPr>
+        <p:cNvPr id="1" name=""/>
+        <p:cNvGrpSpPr/>
+        <p:nvPr/>
+      </p:nvGrpSpPr>
+      <p:grpSpPr>
+        <a:xfrm>
+          <a:off x="0" y="0"/>
+          <a:ext cx="0" cy="0"/>
+          <a:chOff x="0" y="0"/>
+          <a:chExt cx="0" cy="0"/>
+        </a:xfrm>
+      </p:grpSpPr>
+      <p:sp>
+        <p:nvSpPr>
+          <p:cNvPr id="2" name="Title 1"/>
+          <p:cNvSpPr>
+            <a:spLocks noGrp="1"/>
+          </p:cNvSpPr>
+          <p:nvPr>
+            <p:ph type="title"/>
+          </p:nvPr>
+        </p:nvSpPr>
+        <p:spPr/>
+        <p:txBody>
+          <a:bodyPr>
+            <a:normAutofit fontScale="90000"/>
+          </a:bodyPr>
+          <a:lstStyle/>
+          <a:p>
+            <a:r>
+              <a:rPr lang="en-US" dirty="0" smtClean="0"/>
+              <a:t>To Identify </a:t>
+            </a:r>
+            <a:r>
+              <a:rPr lang="en-US" dirty="0" err="1" smtClean="0"/>
+              <a:t>Jdk</a:t>
+            </a:r>
+            <a:r>
+              <a:rPr lang="en-US" dirty="0" smtClean="0"/>
+              <a:t>, Java compiler version</a:t>
+            </a:r>
+            <a:endParaRPr lang="en-US" dirty="0"/>
+          </a:p>
+        </p:txBody>
+      </p:sp>
+      <p:pic>
+        <p:nvPicPr>
+          <p:cNvPr id="2050" name="Picture 2"/>
+          <p:cNvPicPr>
+            <a:picLocks noChangeAspect="1" noChangeArrowheads="1"/>
+          </p:cNvPicPr>
+          <p:nvPr/>
+        </p:nvPicPr>
+        <p:blipFill>
+          <a:blip r:embed="rId2"/>
+          <a:srcRect/>
+          <a:stretch>
+            <a:fillRect/>
+          </a:stretch>
+        </p:blipFill>
+        <p:spPr bwMode="auto">
+          <a:xfrm>
+            <a:off x="1371600" y="1905000"/>
+            <a:ext cx="3543300" cy="257175"/>
+          </a:xfrm>
+          <a:prstGeom prst="rect">
+            <a:avLst/>
+          </a:prstGeom>
+          <a:noFill/>
+          <a:ln w="9525">
+            <a:noFill/>
+            <a:miter lim="800000"/>
+            <a:headEnd/>
+            <a:tailEnd/>
+          </a:ln>
+          <a:effectLst/>
+        </p:spPr>
+      </p:pic>
+      <p:pic>
+        <p:nvPicPr>
+          <p:cNvPr id="2051" name="Picture 3"/>
+          <p:cNvPicPr>
+            <a:picLocks noChangeAspect="1" noChangeArrowheads="1"/>
+          </p:cNvPicPr>
+          <p:nvPr/>
+        </p:nvPicPr>
+        <p:blipFill>
+          <a:blip r:embed="rId3"/>
+          <a:srcRect/>
+          <a:stretch>
+            <a:fillRect/>
+          </a:stretch>
+        </p:blipFill>
+        <p:spPr bwMode="auto">
+          <a:xfrm>
+            <a:off x="381000" y="3733800"/>
+            <a:ext cx="8401050" cy="2505075"/>
+          </a:xfrm>
+          <a:prstGeom prst="rect">
+            <a:avLst/>
+          </a:prstGeom>
+          <a:noFill/>
+          <a:ln w="9525">
+            <a:noFill/>
+            <a:miter lim="800000"/>
+            <a:headEnd/>
+            <a:tailEnd/>
+          </a:ln>
+          <a:effectLst/>
+        </p:spPr>
+      </p:pic>
+    </p:spTree>
+  </p:cSld>
+  <p:clrMapOvr>
+    <a:masterClrMapping/>
+  </p:clrMapOvr>
+</p:sld>
+</file>
+
+<file path=ppt/slides/slide8.xml><?xml version="1.0" encoding="utf-8"?>
+<p:sld xmlns:a="http://schemas.openxmlformats.org/drawingml/2006/main" xmlns:r="http://schemas.openxmlformats.org/officeDocument/2006/relationships" xmlns:p="http://schemas.openxmlformats.org/presentationml/2006/main">
+  <p:cSld>
+    <p:spTree>
+      <p:nvGrpSpPr>
+        <p:cNvPr id="1" name=""/>
+        <p:cNvGrpSpPr/>
+        <p:nvPr/>
+      </p:nvGrpSpPr>
+      <p:grpSpPr>
+        <a:xfrm>
+          <a:off x="0" y="0"/>
+          <a:ext cx="0" cy="0"/>
+          <a:chOff x="0" y="0"/>
+          <a:chExt cx="0" cy="0"/>
+        </a:xfrm>
+      </p:grpSpPr>
+      <p:sp>
+        <p:nvSpPr>
+          <p:cNvPr id="2" name="Title 1"/>
+          <p:cNvSpPr>
+            <a:spLocks noGrp="1"/>
+          </p:cNvSpPr>
+          <p:nvPr>
+            <p:ph type="title"/>
+          </p:nvPr>
+        </p:nvSpPr>
+        <p:spPr/>
+        <p:txBody>
+          <a:bodyPr>
+            <a:normAutofit fontScale="90000"/>
+          </a:bodyPr>
+          <a:lstStyle/>
+          <a:p>
+            <a:r>
+              <a:rPr lang="en-US" dirty="0" smtClean="0"/>
+              <a:t>Compile the program from Terminal/Command Prompt</a:t>
+            </a:r>
+            <a:endParaRPr lang="en-US" dirty="0"/>
+          </a:p>
+        </p:txBody>
+      </p:sp>
+      <p:pic>
+        <p:nvPicPr>
+          <p:cNvPr id="3074" name="Picture 2"/>
+          <p:cNvPicPr>
+            <a:picLocks noGrp="1" noChangeAspect="1" noChangeArrowheads="1"/>
+          </p:cNvPicPr>
+          <p:nvPr>
+            <p:ph idx="1"/>
+          </p:nvPr>
+        </p:nvPicPr>
+        <p:blipFill>
+          <a:blip r:embed="rId2"/>
+          <a:srcRect/>
+          <a:stretch>
+            <a:fillRect/>
+          </a:stretch>
+        </p:blipFill>
+        <p:spPr bwMode="auto">
+          <a:xfrm>
+            <a:off x="3438525" y="2901156"/>
+            <a:ext cx="2266950" cy="1924050"/>
+          </a:xfrm>
+          <a:prstGeom prst="rect">
+            <a:avLst/>
+          </a:prstGeom>
+          <a:noFill/>
+          <a:ln w="9525">
+            <a:noFill/>
+            <a:miter lim="800000"/>
+            <a:headEnd/>
+            <a:tailEnd/>
+          </a:ln>
+          <a:effectLst/>
+        </p:spPr>
+      </p:pic>
+    </p:spTree>
+  </p:cSld>
+  <p:clrMapOvr>
+    <a:masterClrMapping/>
+  </p:clrMapOvr>
+</p:sld>
+</file>
+
+<file path=ppt/slides/slide9.xml><?xml version="1.0" encoding="utf-8"?>
+<p:sld xmlns:a="http://schemas.openxmlformats.org/drawingml/2006/main" xmlns:r="http://schemas.openxmlformats.org/officeDocument/2006/relationships" xmlns:p="http://schemas.openxmlformats.org/presentationml/2006/main">
+  <p:cSld>
+    <p:spTree>
+      <p:nvGrpSpPr>
+        <p:cNvPr id="1" name=""/>
+        <p:cNvGrpSpPr/>
+        <p:nvPr/>
+      </p:nvGrpSpPr>
+      <p:grpSpPr>
+        <a:xfrm>
+          <a:off x="0" y="0"/>
+          <a:ext cx="0" cy="0"/>
+          <a:chOff x="0" y="0"/>
+          <a:chExt cx="0" cy="0"/>
+        </a:xfrm>
+      </p:grpSpPr>
+      <p:sp>
+        <p:nvSpPr>
+          <p:cNvPr id="2" name="Title 1"/>
+          <p:cNvSpPr>
+            <a:spLocks noGrp="1"/>
+          </p:cNvSpPr>
+          <p:nvPr>
+            <p:ph type="title"/>
+          </p:nvPr>
+        </p:nvSpPr>
+        <p:spPr/>
+        <p:txBody>
+          <a:bodyPr/>
+          <a:lstStyle/>
+          <a:p>
+            <a:r>
+              <a:rPr lang="en-US" dirty="0" smtClean="0"/>
+              <a:t>Diff ways to Initiate</a:t>
+            </a:r>
+            <a:endParaRPr lang="en-US" dirty="0"/>
+          </a:p>
+        </p:txBody>
+      </p:sp>
+      <p:sp>
+        <p:nvSpPr>
+          <p:cNvPr id="3" name="Content Placeholder 2"/>
+          <p:cNvSpPr>
+            <a:spLocks noGrp="1"/>
+          </p:cNvSpPr>
+          <p:nvPr>
+            <p:ph idx="1"/>
+          </p:nvPr>
+        </p:nvSpPr>
+        <p:spPr/>
+        <p:txBody>
+          <a:bodyPr>
+            <a:normAutofit/>
+          </a:bodyPr>
+          <a:lstStyle/>
+          <a:p>
+            <a:pPr>
+              <a:buNone/>
+            </a:pPr>
+            <a:endParaRPr lang="en-US" sz="1400" b="1" dirty="0" smtClean="0">
+              <a:latin typeface="Times New Roman" pitchFamily="18" charset="0"/>
+              <a:cs typeface="Times New Roman" pitchFamily="18" charset="0"/>
+            </a:endParaRPr>
+          </a:p>
+          <a:p>
+            <a:pPr>
+              <a:buNone/>
+            </a:pPr>
+            <a:endParaRPr lang="en-US" sz="1400" b="1" dirty="0" smtClean="0">
+              <a:latin typeface="Times New Roman" pitchFamily="18" charset="0"/>
+              <a:cs typeface="Times New Roman" pitchFamily="18" charset="0"/>
+            </a:endParaRPr>
+          </a:p>
+          <a:p>
+            <a:pPr>
+              <a:buNone/>
+            </a:pPr>
+            <a:r>
+              <a:rPr lang="en-US" sz="1400" b="1" dirty="0" smtClean="0">
+                <a:latin typeface="Times New Roman" pitchFamily="18" charset="0"/>
+                <a:cs typeface="Times New Roman" pitchFamily="18" charset="0"/>
+              </a:rPr>
+              <a:t>public</a:t>
+            </a:r>
+            <a:r>
+              <a:rPr lang="en-US" sz="1400" dirty="0" smtClean="0">
+                <a:latin typeface="Times New Roman" pitchFamily="18" charset="0"/>
+                <a:cs typeface="Times New Roman" pitchFamily="18" charset="0"/>
+              </a:rPr>
+              <a:t> </a:t>
+            </a:r>
+            <a:r>
+              <a:rPr lang="en-US" sz="1400" b="1" dirty="0" smtClean="0">
+                <a:latin typeface="Times New Roman" pitchFamily="18" charset="0"/>
+                <a:cs typeface="Times New Roman" pitchFamily="18" charset="0"/>
+              </a:rPr>
+              <a:t>static</a:t>
+            </a:r>
+            <a:r>
+              <a:rPr lang="en-US" sz="1400" dirty="0" smtClean="0">
+                <a:latin typeface="Times New Roman" pitchFamily="18" charset="0"/>
+                <a:cs typeface="Times New Roman" pitchFamily="18" charset="0"/>
+              </a:rPr>
+              <a:t> </a:t>
+            </a:r>
+            <a:r>
+              <a:rPr lang="en-US" sz="1400" b="1" dirty="0" smtClean="0">
+                <a:latin typeface="Times New Roman" pitchFamily="18" charset="0"/>
+                <a:cs typeface="Times New Roman" pitchFamily="18" charset="0"/>
+              </a:rPr>
+              <a:t>void</a:t>
+            </a:r>
+            <a:r>
+              <a:rPr lang="en-US" sz="1400" dirty="0" smtClean="0">
+                <a:latin typeface="Times New Roman" pitchFamily="18" charset="0"/>
+                <a:cs typeface="Times New Roman" pitchFamily="18" charset="0"/>
+              </a:rPr>
+              <a:t> main(String[] </a:t>
+            </a:r>
+            <a:r>
+              <a:rPr lang="en-US" sz="1400" dirty="0" err="1" smtClean="0">
+                <a:latin typeface="Times New Roman" pitchFamily="18" charset="0"/>
+                <a:cs typeface="Times New Roman" pitchFamily="18" charset="0"/>
+              </a:rPr>
+              <a:t>args</a:t>
+            </a:r>
+            <a:r>
+              <a:rPr lang="en-US" sz="1400" dirty="0" smtClean="0">
+                <a:latin typeface="Times New Roman" pitchFamily="18" charset="0"/>
+                <a:cs typeface="Times New Roman" pitchFamily="18" charset="0"/>
+              </a:rPr>
+              <a:t>)  </a:t>
+            </a:r>
+          </a:p>
+          <a:p>
+            <a:pPr>
+              <a:buNone/>
+            </a:pPr>
+            <a:r>
+              <a:rPr lang="en-US" sz="1400" b="1" dirty="0" smtClean="0">
+                <a:latin typeface="Times New Roman" pitchFamily="18" charset="0"/>
+                <a:cs typeface="Times New Roman" pitchFamily="18" charset="0"/>
+              </a:rPr>
+              <a:t>public</a:t>
+            </a:r>
+            <a:r>
+              <a:rPr lang="en-US" sz="1400" dirty="0" smtClean="0">
+                <a:latin typeface="Times New Roman" pitchFamily="18" charset="0"/>
+                <a:cs typeface="Times New Roman" pitchFamily="18" charset="0"/>
+              </a:rPr>
+              <a:t> </a:t>
+            </a:r>
+            <a:r>
+              <a:rPr lang="en-US" sz="1400" b="1" dirty="0" smtClean="0">
+                <a:latin typeface="Times New Roman" pitchFamily="18" charset="0"/>
+                <a:cs typeface="Times New Roman" pitchFamily="18" charset="0"/>
+              </a:rPr>
+              <a:t>static</a:t>
+            </a:r>
+            <a:r>
+              <a:rPr lang="en-US" sz="1400" dirty="0" smtClean="0">
+                <a:latin typeface="Times New Roman" pitchFamily="18" charset="0"/>
+                <a:cs typeface="Times New Roman" pitchFamily="18" charset="0"/>
+              </a:rPr>
+              <a:t> </a:t>
+            </a:r>
+            <a:r>
+              <a:rPr lang="en-US" sz="1400" b="1" dirty="0" smtClean="0">
+                <a:latin typeface="Times New Roman" pitchFamily="18" charset="0"/>
+                <a:cs typeface="Times New Roman" pitchFamily="18" charset="0"/>
+              </a:rPr>
+              <a:t>void</a:t>
+            </a:r>
+            <a:r>
+              <a:rPr lang="en-US" sz="1400" dirty="0" smtClean="0">
+                <a:latin typeface="Times New Roman" pitchFamily="18" charset="0"/>
+                <a:cs typeface="Times New Roman" pitchFamily="18" charset="0"/>
+              </a:rPr>
+              <a:t> main(String []</a:t>
+            </a:r>
+            <a:r>
+              <a:rPr lang="en-US" sz="1400" dirty="0" err="1" smtClean="0">
+                <a:latin typeface="Times New Roman" pitchFamily="18" charset="0"/>
+                <a:cs typeface="Times New Roman" pitchFamily="18" charset="0"/>
+              </a:rPr>
+              <a:t>args</a:t>
+            </a:r>
+            <a:r>
+              <a:rPr lang="en-US" sz="1400" dirty="0" smtClean="0">
+                <a:latin typeface="Times New Roman" pitchFamily="18" charset="0"/>
+                <a:cs typeface="Times New Roman" pitchFamily="18" charset="0"/>
+              </a:rPr>
+              <a:t>)  </a:t>
+            </a:r>
+          </a:p>
+          <a:p>
+            <a:pPr>
+              <a:buNone/>
+            </a:pPr>
+            <a:r>
+              <a:rPr lang="en-US" sz="1400" b="1" dirty="0" smtClean="0">
+                <a:latin typeface="Times New Roman" pitchFamily="18" charset="0"/>
+                <a:cs typeface="Times New Roman" pitchFamily="18" charset="0"/>
+              </a:rPr>
+              <a:t>public</a:t>
+            </a:r>
+            <a:r>
+              <a:rPr lang="en-US" sz="1400" dirty="0" smtClean="0">
+                <a:latin typeface="Times New Roman" pitchFamily="18" charset="0"/>
+                <a:cs typeface="Times New Roman" pitchFamily="18" charset="0"/>
+              </a:rPr>
+              <a:t> </a:t>
+            </a:r>
+            <a:r>
+              <a:rPr lang="en-US" sz="1400" b="1" dirty="0" smtClean="0">
+                <a:latin typeface="Times New Roman" pitchFamily="18" charset="0"/>
+                <a:cs typeface="Times New Roman" pitchFamily="18" charset="0"/>
+              </a:rPr>
+              <a:t>static</a:t>
+            </a:r>
+            <a:r>
+              <a:rPr lang="en-US" sz="1400" dirty="0" smtClean="0">
+                <a:latin typeface="Times New Roman" pitchFamily="18" charset="0"/>
+                <a:cs typeface="Times New Roman" pitchFamily="18" charset="0"/>
+              </a:rPr>
+              <a:t> </a:t>
+            </a:r>
+            <a:r>
+              <a:rPr lang="en-US" sz="1400" b="1" dirty="0" smtClean="0">
+                <a:latin typeface="Times New Roman" pitchFamily="18" charset="0"/>
+                <a:cs typeface="Times New Roman" pitchFamily="18" charset="0"/>
+              </a:rPr>
+              <a:t>void</a:t>
+            </a:r>
+            <a:r>
+              <a:rPr lang="en-US" sz="1400" dirty="0" smtClean="0">
+                <a:latin typeface="Times New Roman" pitchFamily="18" charset="0"/>
+                <a:cs typeface="Times New Roman" pitchFamily="18" charset="0"/>
+              </a:rPr>
+              <a:t> main(String </a:t>
+            </a:r>
+            <a:r>
+              <a:rPr lang="en-US" sz="1400" dirty="0" err="1" smtClean="0">
+                <a:latin typeface="Times New Roman" pitchFamily="18" charset="0"/>
+                <a:cs typeface="Times New Roman" pitchFamily="18" charset="0"/>
+              </a:rPr>
+              <a:t>args</a:t>
+            </a:r>
+            <a:r>
+              <a:rPr lang="en-US" sz="1400" dirty="0" smtClean="0">
+                <a:latin typeface="Times New Roman" pitchFamily="18" charset="0"/>
+                <a:cs typeface="Times New Roman" pitchFamily="18" charset="0"/>
+              </a:rPr>
+              <a:t>[])  </a:t>
+            </a:r>
+          </a:p>
+          <a:p>
+            <a:pPr>
+              <a:buNone/>
+            </a:pPr>
+            <a:r>
+              <a:rPr lang="en-US" sz="1400" b="1" dirty="0" smtClean="0">
+                <a:latin typeface="Times New Roman" pitchFamily="18" charset="0"/>
+                <a:cs typeface="Times New Roman" pitchFamily="18" charset="0"/>
+              </a:rPr>
+              <a:t>public</a:t>
+            </a:r>
+            <a:r>
+              <a:rPr lang="en-US" sz="1400" dirty="0" smtClean="0">
+                <a:latin typeface="Times New Roman" pitchFamily="18" charset="0"/>
+                <a:cs typeface="Times New Roman" pitchFamily="18" charset="0"/>
+              </a:rPr>
+              <a:t> </a:t>
+            </a:r>
+            <a:r>
+              <a:rPr lang="en-US" sz="1400" b="1" dirty="0" smtClean="0">
+                <a:latin typeface="Times New Roman" pitchFamily="18" charset="0"/>
+                <a:cs typeface="Times New Roman" pitchFamily="18" charset="0"/>
+              </a:rPr>
+              <a:t>static</a:t>
+            </a:r>
+            <a:r>
+              <a:rPr lang="en-US" sz="1400" dirty="0" smtClean="0">
+                <a:latin typeface="Times New Roman" pitchFamily="18" charset="0"/>
+                <a:cs typeface="Times New Roman" pitchFamily="18" charset="0"/>
+              </a:rPr>
+              <a:t> </a:t>
+            </a:r>
+            <a:r>
+              <a:rPr lang="en-US" sz="1400" b="1" dirty="0" smtClean="0">
+                <a:latin typeface="Times New Roman" pitchFamily="18" charset="0"/>
+                <a:cs typeface="Times New Roman" pitchFamily="18" charset="0"/>
+              </a:rPr>
+              <a:t>void</a:t>
+            </a:r>
+            <a:r>
+              <a:rPr lang="en-US" sz="1400" dirty="0" smtClean="0">
+                <a:latin typeface="Times New Roman" pitchFamily="18" charset="0"/>
+                <a:cs typeface="Times New Roman" pitchFamily="18" charset="0"/>
+              </a:rPr>
+              <a:t> main(String... </a:t>
+            </a:r>
+            <a:r>
+              <a:rPr lang="en-US" sz="1400" dirty="0" err="1" smtClean="0">
+                <a:latin typeface="Times New Roman" pitchFamily="18" charset="0"/>
+                <a:cs typeface="Times New Roman" pitchFamily="18" charset="0"/>
+              </a:rPr>
+              <a:t>args</a:t>
+            </a:r>
+            <a:r>
+              <a:rPr lang="en-US" sz="1400" dirty="0" smtClean="0">
+                <a:latin typeface="Times New Roman" pitchFamily="18" charset="0"/>
+                <a:cs typeface="Times New Roman" pitchFamily="18" charset="0"/>
+              </a:rPr>
+              <a:t>)  </a:t>
+            </a:r>
+          </a:p>
+          <a:p>
+            <a:pPr>
+              <a:buNone/>
+            </a:pPr>
+            <a:r>
+              <a:rPr lang="en-US" sz="1400" b="1" dirty="0" smtClean="0">
+                <a:latin typeface="Times New Roman" pitchFamily="18" charset="0"/>
+                <a:cs typeface="Times New Roman" pitchFamily="18" charset="0"/>
+              </a:rPr>
+              <a:t>static</a:t>
+            </a:r>
+            <a:r>
+              <a:rPr lang="en-US" sz="1400" dirty="0" smtClean="0">
+                <a:latin typeface="Times New Roman" pitchFamily="18" charset="0"/>
+                <a:cs typeface="Times New Roman" pitchFamily="18" charset="0"/>
+              </a:rPr>
+              <a:t> </a:t>
+            </a:r>
+            <a:r>
+              <a:rPr lang="en-US" sz="1400" b="1" dirty="0" smtClean="0">
+                <a:latin typeface="Times New Roman" pitchFamily="18" charset="0"/>
+                <a:cs typeface="Times New Roman" pitchFamily="18" charset="0"/>
+              </a:rPr>
+              <a:t>public</a:t>
+            </a:r>
+            <a:r>
+              <a:rPr lang="en-US" sz="1400" dirty="0" smtClean="0">
+                <a:latin typeface="Times New Roman" pitchFamily="18" charset="0"/>
+                <a:cs typeface="Times New Roman" pitchFamily="18" charset="0"/>
+              </a:rPr>
+              <a:t> </a:t>
+            </a:r>
+            <a:r>
+              <a:rPr lang="en-US" sz="1400" b="1" dirty="0" smtClean="0">
+                <a:latin typeface="Times New Roman" pitchFamily="18" charset="0"/>
+                <a:cs typeface="Times New Roman" pitchFamily="18" charset="0"/>
+              </a:rPr>
+              <a:t>void</a:t>
+            </a:r>
+            <a:r>
+              <a:rPr lang="en-US" sz="1400" dirty="0" smtClean="0">
+                <a:latin typeface="Times New Roman" pitchFamily="18" charset="0"/>
+                <a:cs typeface="Times New Roman" pitchFamily="18" charset="0"/>
+              </a:rPr>
+              <a:t> main(String[] </a:t>
+            </a:r>
+            <a:r>
+              <a:rPr lang="en-US" sz="1400" dirty="0" err="1" smtClean="0">
+                <a:latin typeface="Times New Roman" pitchFamily="18" charset="0"/>
+                <a:cs typeface="Times New Roman" pitchFamily="18" charset="0"/>
+              </a:rPr>
+              <a:t>args</a:t>
+            </a:r>
+            <a:r>
+              <a:rPr lang="en-US" sz="1400" dirty="0" smtClean="0">
+                <a:latin typeface="Times New Roman" pitchFamily="18" charset="0"/>
+                <a:cs typeface="Times New Roman" pitchFamily="18" charset="0"/>
+              </a:rPr>
+              <a:t>)  </a:t>
+            </a:r>
+          </a:p>
+          <a:p>
+            <a:pPr>
+              <a:buNone/>
+            </a:pPr>
+            <a:r>
+              <a:rPr lang="en-US" sz="1400" b="1" dirty="0" smtClean="0">
+                <a:latin typeface="Times New Roman" pitchFamily="18" charset="0"/>
+                <a:cs typeface="Times New Roman" pitchFamily="18" charset="0"/>
+              </a:rPr>
+              <a:t>public</a:t>
+            </a:r>
+            <a:r>
+              <a:rPr lang="en-US" sz="1400" dirty="0" smtClean="0">
+                <a:latin typeface="Times New Roman" pitchFamily="18" charset="0"/>
+                <a:cs typeface="Times New Roman" pitchFamily="18" charset="0"/>
+              </a:rPr>
+              <a:t> </a:t>
+            </a:r>
+            <a:r>
+              <a:rPr lang="en-US" sz="1400" b="1" dirty="0" smtClean="0">
+                <a:latin typeface="Times New Roman" pitchFamily="18" charset="0"/>
+                <a:cs typeface="Times New Roman" pitchFamily="18" charset="0"/>
+              </a:rPr>
+              <a:t>static</a:t>
+            </a:r>
+            <a:r>
+              <a:rPr lang="en-US" sz="1400" dirty="0" smtClean="0">
+                <a:latin typeface="Times New Roman" pitchFamily="18" charset="0"/>
+                <a:cs typeface="Times New Roman" pitchFamily="18" charset="0"/>
+              </a:rPr>
+              <a:t> </a:t>
+            </a:r>
+            <a:r>
+              <a:rPr lang="en-US" sz="1400" b="1" dirty="0" smtClean="0">
+                <a:latin typeface="Times New Roman" pitchFamily="18" charset="0"/>
+                <a:cs typeface="Times New Roman" pitchFamily="18" charset="0"/>
+              </a:rPr>
+              <a:t>final</a:t>
+            </a:r>
+            <a:r>
+              <a:rPr lang="en-US" sz="1400" dirty="0" smtClean="0">
+                <a:latin typeface="Times New Roman" pitchFamily="18" charset="0"/>
+                <a:cs typeface="Times New Roman" pitchFamily="18" charset="0"/>
+              </a:rPr>
+              <a:t> </a:t>
+            </a:r>
+            <a:r>
+              <a:rPr lang="en-US" sz="1400" b="1" dirty="0" smtClean="0">
+                <a:latin typeface="Times New Roman" pitchFamily="18" charset="0"/>
+                <a:cs typeface="Times New Roman" pitchFamily="18" charset="0"/>
+              </a:rPr>
+              <a:t>void</a:t>
+            </a:r>
+            <a:r>
+              <a:rPr lang="en-US" sz="1400" dirty="0" smtClean="0">
+                <a:latin typeface="Times New Roman" pitchFamily="18" charset="0"/>
+                <a:cs typeface="Times New Roman" pitchFamily="18" charset="0"/>
+              </a:rPr>
+              <a:t> main(String[] </a:t>
+            </a:r>
+            <a:r>
+              <a:rPr lang="en-US" sz="1400" dirty="0" err="1" smtClean="0">
+                <a:latin typeface="Times New Roman" pitchFamily="18" charset="0"/>
+                <a:cs typeface="Times New Roman" pitchFamily="18" charset="0"/>
+              </a:rPr>
+              <a:t>args</a:t>
+            </a:r>
+            <a:r>
+              <a:rPr lang="en-US" sz="1400" dirty="0" smtClean="0">
+                <a:latin typeface="Times New Roman" pitchFamily="18" charset="0"/>
+                <a:cs typeface="Times New Roman" pitchFamily="18" charset="0"/>
+              </a:rPr>
+              <a:t>)  </a:t>
+            </a:r>
+          </a:p>
+          <a:p>
+            <a:pPr>
+              <a:buNone/>
+            </a:pPr>
+            <a:r>
+              <a:rPr lang="en-US" sz="1400" b="1" dirty="0" smtClean="0">
+                <a:latin typeface="Times New Roman" pitchFamily="18" charset="0"/>
+                <a:cs typeface="Times New Roman" pitchFamily="18" charset="0"/>
+              </a:rPr>
+              <a:t>final</a:t>
+            </a:r>
+            <a:r>
+              <a:rPr lang="en-US" sz="1400" dirty="0" smtClean="0">
+                <a:latin typeface="Times New Roman" pitchFamily="18" charset="0"/>
+                <a:cs typeface="Times New Roman" pitchFamily="18" charset="0"/>
+              </a:rPr>
+              <a:t> </a:t>
+            </a:r>
+            <a:r>
+              <a:rPr lang="en-US" sz="1400" b="1" dirty="0" smtClean="0">
+                <a:latin typeface="Times New Roman" pitchFamily="18" charset="0"/>
+                <a:cs typeface="Times New Roman" pitchFamily="18" charset="0"/>
+              </a:rPr>
+              <a:t>public</a:t>
+            </a:r>
+            <a:r>
+              <a:rPr lang="en-US" sz="1400" dirty="0" smtClean="0">
+                <a:latin typeface="Times New Roman" pitchFamily="18" charset="0"/>
+                <a:cs typeface="Times New Roman" pitchFamily="18" charset="0"/>
+              </a:rPr>
+              <a:t> </a:t>
+            </a:r>
+            <a:r>
+              <a:rPr lang="en-US" sz="1400" b="1" dirty="0" smtClean="0">
+                <a:latin typeface="Times New Roman" pitchFamily="18" charset="0"/>
+                <a:cs typeface="Times New Roman" pitchFamily="18" charset="0"/>
+              </a:rPr>
+              <a:t>static</a:t>
+            </a:r>
+            <a:r>
+              <a:rPr lang="en-US" sz="1400" dirty="0" smtClean="0">
+                <a:latin typeface="Times New Roman" pitchFamily="18" charset="0"/>
+                <a:cs typeface="Times New Roman" pitchFamily="18" charset="0"/>
+              </a:rPr>
+              <a:t> </a:t>
+            </a:r>
+            <a:r>
+              <a:rPr lang="en-US" sz="1400" b="1" dirty="0" smtClean="0">
+                <a:latin typeface="Times New Roman" pitchFamily="18" charset="0"/>
+                <a:cs typeface="Times New Roman" pitchFamily="18" charset="0"/>
+              </a:rPr>
+              <a:t>void</a:t>
+            </a:r>
+            <a:r>
+              <a:rPr lang="en-US" sz="1400" dirty="0" smtClean="0">
+                <a:latin typeface="Times New Roman" pitchFamily="18" charset="0"/>
+                <a:cs typeface="Times New Roman" pitchFamily="18" charset="0"/>
+              </a:rPr>
+              <a:t> main(String[] </a:t>
+            </a:r>
+            <a:r>
+              <a:rPr lang="en-US" sz="1400" dirty="0" err="1" smtClean="0">
+                <a:latin typeface="Times New Roman" pitchFamily="18" charset="0"/>
+                <a:cs typeface="Times New Roman" pitchFamily="18" charset="0"/>
+              </a:rPr>
+              <a:t>args</a:t>
+            </a:r>
+            <a:r>
+              <a:rPr lang="en-US" sz="1400" dirty="0" smtClean="0">
+                <a:latin typeface="Times New Roman" pitchFamily="18" charset="0"/>
+                <a:cs typeface="Times New Roman" pitchFamily="18" charset="0"/>
+              </a:rPr>
+              <a:t>)  </a:t>
+            </a:r>
+          </a:p>
+          <a:p>
+            <a:pPr>
+              <a:buNone/>
+            </a:pPr>
+            <a:r>
+              <a:rPr lang="en-US" dirty="0" smtClean="0"/>
+              <a:t> </a:t>
+            </a:r>
+          </a:p>
+          <a:p>
+            <a:endParaRPr lang="en-US" dirty="0"/>
+          </a:p>
+        </p:txBody>
+      </p:sp>
     </p:spTree>
   </p:cSld>
   <p:clrMapOvr>
